--- a/CSharpCorner/30May2020_ASP.NetCoreWebAPI_SQLServer_Redis/Documentation/ASP.NetCoreWebAPI_SQLServer_Redis_Angular9UI.pptx
+++ b/CSharpCorner/30May2020_ASP.NetCoreWebAPI_SQLServer_Redis/Documentation/ASP.NetCoreWebAPI_SQLServer_Redis_Angular9UI.pptx
@@ -5,7 +5,7 @@
     <p:sldMasterId id="2147483648" r:id="rId1"/>
   </p:sldMasterIdLst>
   <p:notesMasterIdLst>
-    <p:notesMasterId r:id="rId13"/>
+    <p:notesMasterId r:id="rId19"/>
   </p:notesMasterIdLst>
   <p:sldIdLst>
     <p:sldId id="256" r:id="rId2"/>
@@ -16,9 +16,15 @@
     <p:sldId id="309" r:id="rId7"/>
     <p:sldId id="311" r:id="rId8"/>
     <p:sldId id="310" r:id="rId9"/>
-    <p:sldId id="259" r:id="rId10"/>
-    <p:sldId id="292" r:id="rId11"/>
-    <p:sldId id="258" r:id="rId12"/>
+    <p:sldId id="312" r:id="rId10"/>
+    <p:sldId id="313" r:id="rId11"/>
+    <p:sldId id="314" r:id="rId12"/>
+    <p:sldId id="315" r:id="rId13"/>
+    <p:sldId id="316" r:id="rId14"/>
+    <p:sldId id="317" r:id="rId15"/>
+    <p:sldId id="259" r:id="rId16"/>
+    <p:sldId id="292" r:id="rId17"/>
+    <p:sldId id="258" r:id="rId18"/>
   </p:sldIdLst>
   <p:sldSz cx="12192000" cy="6858000"/>
   <p:notesSz cx="6858000" cy="9144000"/>
@@ -4352,7 +4358,14 @@
           <a:lstStyle/>
           <a:p>
             <a:pPr algn="ctr"/>
-            <a:endParaRPr lang="en-IN" dirty="0">
+            <a:r>
+              <a:rPr lang="en-US" b="1" dirty="0">
+                <a:latin typeface="Verdana" panose="020B0604030504040204" pitchFamily="34" charset="0"/>
+                <a:ea typeface="Verdana" panose="020B0604030504040204" pitchFamily="34" charset="0"/>
+              </a:rPr>
+              <a:t>Creating Simple ASP.Net Core 3.1 Web API (EF Core)</a:t>
+            </a:r>
+            <a:endParaRPr lang="en-IN" b="1" dirty="0">
               <a:latin typeface="Verdana" panose="020B0604030504040204" pitchFamily="34" charset="0"/>
               <a:ea typeface="Verdana" panose="020B0604030504040204" pitchFamily="34" charset="0"/>
             </a:endParaRPr>
@@ -4637,7 +4650,7 @@
           <p:cNvPr id="11" name="Rectangle 10">
             <a:extLst>
               <a:ext uri="{FF2B5EF4-FFF2-40B4-BE49-F238E27FC236}">
-                <a16:creationId xmlns:a16="http://schemas.microsoft.com/office/drawing/2014/main" id="{D55098C6-1198-4DAB-B484-23DB1A599453}"/>
+                <a16:creationId xmlns:a16="http://schemas.microsoft.com/office/drawing/2014/main" id="{F60D9B38-5067-4841-9B4A-CE7786A2CB4A}"/>
               </a:ext>
             </a:extLst>
           </p:cNvPr>
@@ -4646,8 +4659,8 @@
         </p:nvSpPr>
         <p:spPr>
           <a:xfrm>
-            <a:off x="2816470" y="1919767"/>
-            <a:ext cx="6434775" cy="3154710"/>
+            <a:off x="79663" y="588106"/>
+            <a:ext cx="11997195" cy="4128694"/>
           </a:xfrm>
           <a:prstGeom prst="rect">
             <a:avLst/>
@@ -4662,7 +4675,7 @@
           <a:p>
             <a:pPr algn="ctr"/>
             <a:r>
-              <a:rPr lang="en-US" sz="19900" b="1" cap="none" spc="0" dirty="0">
+              <a:rPr lang="en-US" sz="8800" b="1" cap="none" spc="0" dirty="0">
                 <a:ln w="9525">
                   <a:solidFill>
                     <a:schemeClr val="bg1"/>
@@ -4680,8 +4693,98 @@
                     </a:schemeClr>
                   </a:outerShdw>
                 </a:effectLst>
-              </a:rPr>
-              <a:t>Q &amp; A</a:t>
+                <a:latin typeface="Verdana" panose="020B0604030504040204" pitchFamily="34" charset="0"/>
+                <a:ea typeface="Verdana" panose="020B0604030504040204" pitchFamily="34" charset="0"/>
+              </a:rPr>
+              <a:t>Demo</a:t>
+            </a:r>
+          </a:p>
+          <a:p>
+            <a:pPr marL="1371600" indent="-1371600" algn="ctr">
+              <a:buAutoNum type="arabicPeriod"/>
+            </a:pPr>
+            <a:endParaRPr lang="en-US" sz="4000" b="1" cap="none" spc="0" dirty="0">
+              <a:ln w="9525">
+                <a:solidFill>
+                  <a:schemeClr val="bg1"/>
+                </a:solidFill>
+                <a:prstDash val="solid"/>
+              </a:ln>
+              <a:solidFill>
+                <a:schemeClr val="accent5"/>
+              </a:solidFill>
+              <a:effectLst>
+                <a:outerShdw blurRad="12700" dist="38100" dir="2700000" algn="tl" rotWithShape="0">
+                  <a:schemeClr val="accent5">
+                    <a:lumMod val="60000"/>
+                    <a:lumOff val="40000"/>
+                  </a:schemeClr>
+                </a:outerShdw>
+              </a:effectLst>
+              <a:latin typeface="Verdana" panose="020B0604030504040204" pitchFamily="34" charset="0"/>
+              <a:ea typeface="Verdana" panose="020B0604030504040204" pitchFamily="34" charset="0"/>
+            </a:endParaRPr>
+          </a:p>
+          <a:p>
+            <a:pPr algn="ctr">
+              <a:lnSpc>
+                <a:spcPct val="150000"/>
+              </a:lnSpc>
+            </a:pPr>
+            <a:r>
+              <a:rPr lang="en-US" sz="4800" b="1" dirty="0">
+                <a:ln w="9525">
+                  <a:solidFill>
+                    <a:schemeClr val="bg1"/>
+                  </a:solidFill>
+                  <a:prstDash val="solid"/>
+                </a:ln>
+                <a:solidFill>
+                  <a:schemeClr val="accent5"/>
+                </a:solidFill>
+                <a:effectLst>
+                  <a:outerShdw blurRad="12700" dist="38100" dir="2700000" algn="tl" rotWithShape="0">
+                    <a:schemeClr val="accent5">
+                      <a:lumMod val="60000"/>
+                      <a:lumOff val="40000"/>
+                    </a:schemeClr>
+                  </a:outerShdw>
+                </a:effectLst>
+                <a:latin typeface="Verdana" panose="020B0604030504040204" pitchFamily="34" charset="0"/>
+                <a:ea typeface="Verdana" panose="020B0604030504040204" pitchFamily="34" charset="0"/>
+              </a:rPr>
+              <a:t>Creating Simple ASP.Net Core 3.1 </a:t>
+            </a:r>
+          </a:p>
+          <a:p>
+            <a:pPr algn="ctr">
+              <a:lnSpc>
+                <a:spcPct val="150000"/>
+              </a:lnSpc>
+            </a:pPr>
+            <a:r>
+              <a:rPr lang="en-US" sz="4800" b="1" dirty="0">
+                <a:ln w="9525">
+                  <a:solidFill>
+                    <a:schemeClr val="bg1"/>
+                  </a:solidFill>
+                  <a:prstDash val="solid"/>
+                </a:ln>
+                <a:solidFill>
+                  <a:schemeClr val="accent5"/>
+                </a:solidFill>
+                <a:effectLst>
+                  <a:outerShdw blurRad="12700" dist="38100" dir="2700000" algn="tl" rotWithShape="0">
+                    <a:schemeClr val="accent5">
+                      <a:lumMod val="60000"/>
+                      <a:lumOff val="40000"/>
+                    </a:schemeClr>
+                  </a:outerShdw>
+                </a:effectLst>
+                <a:latin typeface="Verdana" panose="020B0604030504040204" pitchFamily="34" charset="0"/>
+                <a:ea typeface="Verdana" panose="020B0604030504040204" pitchFamily="34" charset="0"/>
+              </a:rPr>
+              <a:t>Web API (EF Core)</a:t>
             </a:r>
           </a:p>
         </p:txBody>
@@ -4689,7 +4792,7 @@
     </p:spTree>
     <p:extLst>
       <p:ext uri="{BB962C8B-B14F-4D97-AF65-F5344CB8AC3E}">
-        <p14:creationId xmlns:p14="http://schemas.microsoft.com/office/powerpoint/2010/main" val="2536284009"/>
+        <p14:creationId xmlns:p14="http://schemas.microsoft.com/office/powerpoint/2010/main" val="3485620040"/>
       </p:ext>
     </p:extLst>
   </p:cSld>
@@ -4761,7 +4864,14 @@
           <a:lstStyle/>
           <a:p>
             <a:pPr algn="ctr"/>
-            <a:endParaRPr lang="en-IN" dirty="0">
+            <a:r>
+              <a:rPr lang="en-US" b="1" dirty="0">
+                <a:latin typeface="Verdana" panose="020B0604030504040204" pitchFamily="34" charset="0"/>
+                <a:ea typeface="Verdana" panose="020B0604030504040204" pitchFamily="34" charset="0"/>
+              </a:rPr>
+              <a:t>Adding Redis Cache into Web API</a:t>
+            </a:r>
+            <a:endParaRPr lang="en-IN" b="1" dirty="0">
               <a:latin typeface="Verdana" panose="020B0604030504040204" pitchFamily="34" charset="0"/>
               <a:ea typeface="Verdana" panose="020B0604030504040204" pitchFamily="34" charset="0"/>
             </a:endParaRPr>
@@ -4894,6 +5004,3001 @@
                 <a:ea typeface="Verdana" panose="020B0604030504040204" pitchFamily="34" charset="0"/>
               </a:rPr>
               <a:t>11</a:t>
+            </a:fld>
+            <a:endParaRPr lang="en-IN" b="1" dirty="0">
+              <a:solidFill>
+                <a:srgbClr val="002060"/>
+              </a:solidFill>
+              <a:latin typeface="Verdana" panose="020B0604030504040204" pitchFamily="34" charset="0"/>
+              <a:ea typeface="Verdana" panose="020B0604030504040204" pitchFamily="34" charset="0"/>
+            </a:endParaRPr>
+          </a:p>
+        </p:txBody>
+      </p:sp>
+      <p:sp>
+        <p:nvSpPr>
+          <p:cNvPr id="12" name="Footer Placeholder 7">
+            <a:extLst>
+              <a:ext uri="{FF2B5EF4-FFF2-40B4-BE49-F238E27FC236}">
+                <a16:creationId xmlns:a16="http://schemas.microsoft.com/office/drawing/2014/main" id="{64C57949-E349-47D3-A505-A098233AF49D}"/>
+              </a:ext>
+            </a:extLst>
+          </p:cNvPr>
+          <p:cNvSpPr txBox="1">
+            <a:spLocks/>
+          </p:cNvSpPr>
+          <p:nvPr/>
+        </p:nvSpPr>
+        <p:spPr>
+          <a:xfrm>
+            <a:off x="133897" y="6428848"/>
+            <a:ext cx="4114800" cy="365125"/>
+          </a:xfrm>
+          <a:prstGeom prst="rect">
+            <a:avLst/>
+          </a:prstGeom>
+        </p:spPr>
+        <p:txBody>
+          <a:bodyPr vert="horz" lIns="91440" tIns="45720" rIns="91440" bIns="45720" rtlCol="0" anchor="ctr"/>
+          <a:lstStyle>
+            <a:defPPr>
+              <a:defRPr lang="en-US"/>
+            </a:defPPr>
+            <a:lvl1pPr marL="0" algn="ctr" defTabSz="914400" rtl="0" eaLnBrk="1" latinLnBrk="0" hangingPunct="1">
+              <a:defRPr sz="1200" kern="1200">
+                <a:solidFill>
+                  <a:schemeClr val="tx1">
+                    <a:tint val="75000"/>
+                  </a:schemeClr>
+                </a:solidFill>
+                <a:latin typeface="+mn-lt"/>
+                <a:ea typeface="+mn-ea"/>
+                <a:cs typeface="+mn-cs"/>
+              </a:defRPr>
+            </a:lvl1pPr>
+            <a:lvl2pPr marL="457200" algn="l" defTabSz="914400" rtl="0" eaLnBrk="1" latinLnBrk="0" hangingPunct="1">
+              <a:defRPr sz="1800" kern="1200">
+                <a:solidFill>
+                  <a:schemeClr val="tx1"/>
+                </a:solidFill>
+                <a:latin typeface="+mn-lt"/>
+                <a:ea typeface="+mn-ea"/>
+                <a:cs typeface="+mn-cs"/>
+              </a:defRPr>
+            </a:lvl2pPr>
+            <a:lvl3pPr marL="914400" algn="l" defTabSz="914400" rtl="0" eaLnBrk="1" latinLnBrk="0" hangingPunct="1">
+              <a:defRPr sz="1800" kern="1200">
+                <a:solidFill>
+                  <a:schemeClr val="tx1"/>
+                </a:solidFill>
+                <a:latin typeface="+mn-lt"/>
+                <a:ea typeface="+mn-ea"/>
+                <a:cs typeface="+mn-cs"/>
+              </a:defRPr>
+            </a:lvl3pPr>
+            <a:lvl4pPr marL="1371600" algn="l" defTabSz="914400" rtl="0" eaLnBrk="1" latinLnBrk="0" hangingPunct="1">
+              <a:defRPr sz="1800" kern="1200">
+                <a:solidFill>
+                  <a:schemeClr val="tx1"/>
+                </a:solidFill>
+                <a:latin typeface="+mn-lt"/>
+                <a:ea typeface="+mn-ea"/>
+                <a:cs typeface="+mn-cs"/>
+              </a:defRPr>
+            </a:lvl4pPr>
+            <a:lvl5pPr marL="1828800" algn="l" defTabSz="914400" rtl="0" eaLnBrk="1" latinLnBrk="0" hangingPunct="1">
+              <a:defRPr sz="1800" kern="1200">
+                <a:solidFill>
+                  <a:schemeClr val="tx1"/>
+                </a:solidFill>
+                <a:latin typeface="+mn-lt"/>
+                <a:ea typeface="+mn-ea"/>
+                <a:cs typeface="+mn-cs"/>
+              </a:defRPr>
+            </a:lvl5pPr>
+            <a:lvl6pPr marL="2286000" algn="l" defTabSz="914400" rtl="0" eaLnBrk="1" latinLnBrk="0" hangingPunct="1">
+              <a:defRPr sz="1800" kern="1200">
+                <a:solidFill>
+                  <a:schemeClr val="tx1"/>
+                </a:solidFill>
+                <a:latin typeface="+mn-lt"/>
+                <a:ea typeface="+mn-ea"/>
+                <a:cs typeface="+mn-cs"/>
+              </a:defRPr>
+            </a:lvl6pPr>
+            <a:lvl7pPr marL="2743200" algn="l" defTabSz="914400" rtl="0" eaLnBrk="1" latinLnBrk="0" hangingPunct="1">
+              <a:defRPr sz="1800" kern="1200">
+                <a:solidFill>
+                  <a:schemeClr val="tx1"/>
+                </a:solidFill>
+                <a:latin typeface="+mn-lt"/>
+                <a:ea typeface="+mn-ea"/>
+                <a:cs typeface="+mn-cs"/>
+              </a:defRPr>
+            </a:lvl7pPr>
+            <a:lvl8pPr marL="3200400" algn="l" defTabSz="914400" rtl="0" eaLnBrk="1" latinLnBrk="0" hangingPunct="1">
+              <a:defRPr sz="1800" kern="1200">
+                <a:solidFill>
+                  <a:schemeClr val="tx1"/>
+                </a:solidFill>
+                <a:latin typeface="+mn-lt"/>
+                <a:ea typeface="+mn-ea"/>
+                <a:cs typeface="+mn-cs"/>
+              </a:defRPr>
+            </a:lvl8pPr>
+            <a:lvl9pPr marL="3657600" algn="l" defTabSz="914400" rtl="0" eaLnBrk="1" latinLnBrk="0" hangingPunct="1">
+              <a:defRPr sz="1800" kern="1200">
+                <a:solidFill>
+                  <a:schemeClr val="tx1"/>
+                </a:solidFill>
+                <a:latin typeface="+mn-lt"/>
+                <a:ea typeface="+mn-ea"/>
+                <a:cs typeface="+mn-cs"/>
+              </a:defRPr>
+            </a:lvl9pPr>
+          </a:lstStyle>
+          <a:p>
+            <a:r>
+              <a:rPr lang="en-IN" b="1" dirty="0">
+                <a:solidFill>
+                  <a:srgbClr val="002060"/>
+                </a:solidFill>
+                <a:latin typeface="Verdana" panose="020B0604030504040204" pitchFamily="34" charset="0"/>
+                <a:ea typeface="Verdana" panose="020B0604030504040204" pitchFamily="34" charset="0"/>
+              </a:rPr>
+              <a:t>C# Corner</a:t>
+            </a:r>
+          </a:p>
+        </p:txBody>
+      </p:sp>
+      <p:sp>
+        <p:nvSpPr>
+          <p:cNvPr id="10" name="TextBox 9">
+            <a:extLst>
+              <a:ext uri="{FF2B5EF4-FFF2-40B4-BE49-F238E27FC236}">
+                <a16:creationId xmlns:a16="http://schemas.microsoft.com/office/drawing/2014/main" id="{25C2594F-FCF8-4800-A7AC-EF269935EFA6}"/>
+              </a:ext>
+            </a:extLst>
+          </p:cNvPr>
+          <p:cNvSpPr txBox="1"/>
+          <p:nvPr/>
+        </p:nvSpPr>
+        <p:spPr>
+          <a:xfrm>
+            <a:off x="80629" y="557824"/>
+            <a:ext cx="12037390" cy="2564163"/>
+          </a:xfrm>
+          <a:prstGeom prst="rect">
+            <a:avLst/>
+          </a:prstGeom>
+          <a:noFill/>
+        </p:spPr>
+        <p:txBody>
+          <a:bodyPr wrap="square" rtlCol="0">
+            <a:spAutoFit/>
+          </a:bodyPr>
+          <a:lstStyle/>
+          <a:p>
+            <a:pPr marL="285750" indent="-285750">
+              <a:lnSpc>
+                <a:spcPct val="150000"/>
+              </a:lnSpc>
+              <a:buFont typeface="Wingdings" panose="05000000000000000000" pitchFamily="2" charset="2"/>
+              <a:buChar char="Ø"/>
+            </a:pPr>
+            <a:r>
+              <a:rPr lang="en-US" sz="1400" dirty="0">
+                <a:solidFill>
+                  <a:srgbClr val="002060"/>
+                </a:solidFill>
+                <a:latin typeface="Verdana" panose="020B0604030504040204" pitchFamily="34" charset="0"/>
+                <a:ea typeface="Verdana" panose="020B0604030504040204" pitchFamily="34" charset="0"/>
+              </a:rPr>
+              <a:t>We will add the Redis Cache </a:t>
+            </a:r>
+            <a:r>
+              <a:rPr lang="en-US" sz="1400" dirty="0" err="1">
+                <a:solidFill>
+                  <a:srgbClr val="002060"/>
+                </a:solidFill>
+                <a:latin typeface="Verdana" panose="020B0604030504040204" pitchFamily="34" charset="0"/>
+                <a:ea typeface="Verdana" panose="020B0604030504040204" pitchFamily="34" charset="0"/>
+              </a:rPr>
+              <a:t>Nuget</a:t>
+            </a:r>
+            <a:r>
+              <a:rPr lang="en-US" sz="1400" dirty="0">
+                <a:solidFill>
+                  <a:srgbClr val="002060"/>
+                </a:solidFill>
+                <a:latin typeface="Verdana" panose="020B0604030504040204" pitchFamily="34" charset="0"/>
+                <a:ea typeface="Verdana" panose="020B0604030504040204" pitchFamily="34" charset="0"/>
+              </a:rPr>
+              <a:t> package and configure it in Start up class.</a:t>
+            </a:r>
+          </a:p>
+          <a:p>
+            <a:pPr marL="285750" indent="-285750">
+              <a:lnSpc>
+                <a:spcPct val="150000"/>
+              </a:lnSpc>
+              <a:buFont typeface="Wingdings" panose="05000000000000000000" pitchFamily="2" charset="2"/>
+              <a:buChar char="Ø"/>
+            </a:pPr>
+            <a:r>
+              <a:rPr lang="en-US" sz="1400" dirty="0">
+                <a:solidFill>
+                  <a:srgbClr val="002060"/>
+                </a:solidFill>
+                <a:latin typeface="Verdana" panose="020B0604030504040204" pitchFamily="34" charset="0"/>
+                <a:ea typeface="Verdana" panose="020B0604030504040204" pitchFamily="34" charset="0"/>
+              </a:rPr>
+              <a:t>Verify the DI services Container using Shift + F9</a:t>
+            </a:r>
+          </a:p>
+          <a:p>
+            <a:pPr marL="285750" indent="-285750">
+              <a:lnSpc>
+                <a:spcPct val="150000"/>
+              </a:lnSpc>
+              <a:buFont typeface="Wingdings" panose="05000000000000000000" pitchFamily="2" charset="2"/>
+              <a:buChar char="Ø"/>
+            </a:pPr>
+            <a:r>
+              <a:rPr lang="en-US" sz="1400" dirty="0">
+                <a:solidFill>
+                  <a:srgbClr val="002060"/>
+                </a:solidFill>
+                <a:latin typeface="Verdana" panose="020B0604030504040204" pitchFamily="34" charset="0"/>
+                <a:ea typeface="Verdana" panose="020B0604030504040204" pitchFamily="34" charset="0"/>
+              </a:rPr>
+              <a:t>Get All Professors. Verify the Redis Cache from Command line.</a:t>
+            </a:r>
+          </a:p>
+          <a:p>
+            <a:pPr marL="285750" indent="-285750">
+              <a:lnSpc>
+                <a:spcPct val="150000"/>
+              </a:lnSpc>
+              <a:buFont typeface="Wingdings" panose="05000000000000000000" pitchFamily="2" charset="2"/>
+              <a:buChar char="Ø"/>
+            </a:pPr>
+            <a:r>
+              <a:rPr lang="en-US" sz="1400" dirty="0">
+                <a:solidFill>
+                  <a:srgbClr val="002060"/>
+                </a:solidFill>
+                <a:latin typeface="Verdana" panose="020B0604030504040204" pitchFamily="34" charset="0"/>
+                <a:ea typeface="Verdana" panose="020B0604030504040204" pitchFamily="34" charset="0"/>
+              </a:rPr>
+              <a:t>Verify the Time Stamps of retrieval with and without Redis Cache.</a:t>
+            </a:r>
+          </a:p>
+          <a:p>
+            <a:pPr marL="285750" indent="-285750">
+              <a:lnSpc>
+                <a:spcPct val="150000"/>
+              </a:lnSpc>
+              <a:buFont typeface="Wingdings" panose="05000000000000000000" pitchFamily="2" charset="2"/>
+              <a:buChar char="Ø"/>
+            </a:pPr>
+            <a:r>
+              <a:rPr lang="en-US" sz="1400" dirty="0">
+                <a:solidFill>
+                  <a:srgbClr val="002060"/>
+                </a:solidFill>
+                <a:latin typeface="Verdana" panose="020B0604030504040204" pitchFamily="34" charset="0"/>
+                <a:ea typeface="Verdana" panose="020B0604030504040204" pitchFamily="34" charset="0"/>
+              </a:rPr>
+              <a:t>Retrieve a Professor. Verify the Redis Cache from Command line.</a:t>
+            </a:r>
+          </a:p>
+          <a:p>
+            <a:pPr marL="285750" indent="-285750">
+              <a:lnSpc>
+                <a:spcPct val="150000"/>
+              </a:lnSpc>
+              <a:buFont typeface="Wingdings" panose="05000000000000000000" pitchFamily="2" charset="2"/>
+              <a:buChar char="Ø"/>
+            </a:pPr>
+            <a:r>
+              <a:rPr lang="en-US" sz="1400" dirty="0">
+                <a:solidFill>
+                  <a:srgbClr val="002060"/>
+                </a:solidFill>
+                <a:latin typeface="Verdana" panose="020B0604030504040204" pitchFamily="34" charset="0"/>
+                <a:ea typeface="Verdana" panose="020B0604030504040204" pitchFamily="34" charset="0"/>
+              </a:rPr>
+              <a:t>Verify the Time Stamps of retrieval with and without Redis Cache.</a:t>
+            </a:r>
+          </a:p>
+          <a:p>
+            <a:pPr marL="285750" indent="-285750">
+              <a:lnSpc>
+                <a:spcPct val="150000"/>
+              </a:lnSpc>
+              <a:buFont typeface="Wingdings" panose="05000000000000000000" pitchFamily="2" charset="2"/>
+              <a:buChar char="Ø"/>
+            </a:pPr>
+            <a:r>
+              <a:rPr lang="en-US" sz="1400" dirty="0">
+                <a:solidFill>
+                  <a:srgbClr val="002060"/>
+                </a:solidFill>
+                <a:latin typeface="Verdana" panose="020B0604030504040204" pitchFamily="34" charset="0"/>
+                <a:ea typeface="Verdana" panose="020B0604030504040204" pitchFamily="34" charset="0"/>
+              </a:rPr>
+              <a:t>Delete OR Wait till the Cache Expiration and verify the time stamps.</a:t>
+            </a:r>
+            <a:endParaRPr lang="en-IN" sz="1400" dirty="0">
+              <a:solidFill>
+                <a:srgbClr val="002060"/>
+              </a:solidFill>
+              <a:latin typeface="Verdana" panose="020B0604030504040204" pitchFamily="34" charset="0"/>
+              <a:ea typeface="Verdana" panose="020B0604030504040204" pitchFamily="34" charset="0"/>
+            </a:endParaRPr>
+          </a:p>
+          <a:p>
+            <a:pPr>
+              <a:lnSpc>
+                <a:spcPct val="150000"/>
+              </a:lnSpc>
+            </a:pPr>
+            <a:endParaRPr lang="en-IN" sz="1050" dirty="0">
+              <a:solidFill>
+                <a:srgbClr val="002060"/>
+              </a:solidFill>
+              <a:latin typeface="Verdana" panose="020B0604030504040204" pitchFamily="34" charset="0"/>
+              <a:ea typeface="Verdana" panose="020B0604030504040204" pitchFamily="34" charset="0"/>
+            </a:endParaRPr>
+          </a:p>
+        </p:txBody>
+      </p:sp>
+      <p:pic>
+        <p:nvPicPr>
+          <p:cNvPr id="3" name="Picture 2">
+            <a:extLst>
+              <a:ext uri="{FF2B5EF4-FFF2-40B4-BE49-F238E27FC236}">
+                <a16:creationId xmlns:a16="http://schemas.microsoft.com/office/drawing/2014/main" id="{9E865766-9CDB-45C6-84F6-990216D2332B}"/>
+              </a:ext>
+            </a:extLst>
+          </p:cNvPr>
+          <p:cNvPicPr>
+            <a:picLocks noChangeAspect="1"/>
+          </p:cNvPicPr>
+          <p:nvPr/>
+        </p:nvPicPr>
+        <p:blipFill>
+          <a:blip r:embed="rId2"/>
+          <a:stretch>
+            <a:fillRect/>
+          </a:stretch>
+        </p:blipFill>
+        <p:spPr>
+          <a:xfrm>
+            <a:off x="174774" y="3551068"/>
+            <a:ext cx="11849100" cy="2749108"/>
+          </a:xfrm>
+          <a:prstGeom prst="rect">
+            <a:avLst/>
+          </a:prstGeom>
+          <a:ln>
+            <a:solidFill>
+              <a:schemeClr val="accent1"/>
+            </a:solidFill>
+          </a:ln>
+        </p:spPr>
+      </p:pic>
+    </p:spTree>
+    <p:extLst>
+      <p:ext uri="{BB962C8B-B14F-4D97-AF65-F5344CB8AC3E}">
+        <p14:creationId xmlns:p14="http://schemas.microsoft.com/office/powerpoint/2010/main" val="2490510854"/>
+      </p:ext>
+    </p:extLst>
+  </p:cSld>
+  <p:clrMapOvr>
+    <a:masterClrMapping/>
+  </p:clrMapOvr>
+</p:sld>
+</file>
+
+<file path=ppt/slides/slide12.xml><?xml version="1.0" encoding="utf-8"?>
+<p:sld xmlns:a="http://schemas.openxmlformats.org/drawingml/2006/main" xmlns:r="http://schemas.openxmlformats.org/officeDocument/2006/relationships" xmlns:p="http://schemas.openxmlformats.org/presentationml/2006/main">
+  <p:cSld>
+    <p:spTree>
+      <p:nvGrpSpPr>
+        <p:cNvPr id="1" name=""/>
+        <p:cNvGrpSpPr/>
+        <p:nvPr/>
+      </p:nvGrpSpPr>
+      <p:grpSpPr>
+        <a:xfrm>
+          <a:off x="0" y="0"/>
+          <a:ext cx="0" cy="0"/>
+          <a:chOff x="0" y="0"/>
+          <a:chExt cx="0" cy="0"/>
+        </a:xfrm>
+      </p:grpSpPr>
+      <p:sp>
+        <p:nvSpPr>
+          <p:cNvPr id="4" name="Rectangle 3">
+            <a:extLst>
+              <a:ext uri="{FF2B5EF4-FFF2-40B4-BE49-F238E27FC236}">
+                <a16:creationId xmlns:a16="http://schemas.microsoft.com/office/drawing/2014/main" id="{055C22F7-3FD1-4C1B-8D0C-0C2F7FB61DBE}"/>
+              </a:ext>
+            </a:extLst>
+          </p:cNvPr>
+          <p:cNvSpPr/>
+          <p:nvPr/>
+        </p:nvSpPr>
+        <p:spPr>
+          <a:xfrm>
+            <a:off x="0" y="8878"/>
+            <a:ext cx="12183122" cy="497150"/>
+          </a:xfrm>
+          <a:prstGeom prst="rect">
+            <a:avLst/>
+          </a:prstGeom>
+          <a:solidFill>
+            <a:srgbClr val="0070C0"/>
+          </a:solidFill>
+        </p:spPr>
+        <p:style>
+          <a:lnRef idx="2">
+            <a:schemeClr val="accent1">
+              <a:shade val="50000"/>
+            </a:schemeClr>
+          </a:lnRef>
+          <a:fillRef idx="1">
+            <a:schemeClr val="accent1"/>
+          </a:fillRef>
+          <a:effectRef idx="0">
+            <a:schemeClr val="accent1"/>
+          </a:effectRef>
+          <a:fontRef idx="minor">
+            <a:schemeClr val="lt1"/>
+          </a:fontRef>
+        </p:style>
+        <p:txBody>
+          <a:bodyPr rtlCol="0" anchor="ctr"/>
+          <a:lstStyle/>
+          <a:p>
+            <a:pPr algn="ctr"/>
+            <a:r>
+              <a:rPr lang="en-US" b="1" dirty="0">
+                <a:latin typeface="Verdana" panose="020B0604030504040204" pitchFamily="34" charset="0"/>
+                <a:ea typeface="Verdana" panose="020B0604030504040204" pitchFamily="34" charset="0"/>
+              </a:rPr>
+              <a:t>Adding Redis Cache into Web API</a:t>
+            </a:r>
+            <a:endParaRPr lang="en-IN" b="1" dirty="0">
+              <a:latin typeface="Verdana" panose="020B0604030504040204" pitchFamily="34" charset="0"/>
+              <a:ea typeface="Verdana" panose="020B0604030504040204" pitchFamily="34" charset="0"/>
+            </a:endParaRPr>
+          </a:p>
+        </p:txBody>
+      </p:sp>
+      <p:sp>
+        <p:nvSpPr>
+          <p:cNvPr id="7" name="Rectangle 6">
+            <a:extLst>
+              <a:ext uri="{FF2B5EF4-FFF2-40B4-BE49-F238E27FC236}">
+                <a16:creationId xmlns:a16="http://schemas.microsoft.com/office/drawing/2014/main" id="{B10720DE-FD2A-4FE5-B9FB-74854D01A659}"/>
+              </a:ext>
+            </a:extLst>
+          </p:cNvPr>
+          <p:cNvSpPr/>
+          <p:nvPr/>
+        </p:nvSpPr>
+        <p:spPr>
+          <a:xfrm>
+            <a:off x="0" y="6383046"/>
+            <a:ext cx="12183122" cy="57703"/>
+          </a:xfrm>
+          <a:prstGeom prst="rect">
+            <a:avLst/>
+          </a:prstGeom>
+          <a:solidFill>
+            <a:srgbClr val="0070C0"/>
+          </a:solidFill>
+        </p:spPr>
+        <p:style>
+          <a:lnRef idx="2">
+            <a:schemeClr val="accent1">
+              <a:shade val="50000"/>
+            </a:schemeClr>
+          </a:lnRef>
+          <a:fillRef idx="1">
+            <a:schemeClr val="accent1"/>
+          </a:fillRef>
+          <a:effectRef idx="0">
+            <a:schemeClr val="accent1"/>
+          </a:effectRef>
+          <a:fontRef idx="minor">
+            <a:schemeClr val="lt1"/>
+          </a:fontRef>
+        </p:style>
+        <p:txBody>
+          <a:bodyPr rtlCol="0" anchor="ctr"/>
+          <a:lstStyle/>
+          <a:p>
+            <a:pPr algn="ctr"/>
+            <a:endParaRPr lang="en-IN" sz="1000" dirty="0">
+              <a:latin typeface="Verdana" panose="020B0604030504040204" pitchFamily="34" charset="0"/>
+              <a:ea typeface="Verdana" panose="020B0604030504040204" pitchFamily="34" charset="0"/>
+            </a:endParaRPr>
+          </a:p>
+        </p:txBody>
+      </p:sp>
+      <p:sp>
+        <p:nvSpPr>
+          <p:cNvPr id="8" name="Footer Placeholder 7">
+            <a:extLst>
+              <a:ext uri="{FF2B5EF4-FFF2-40B4-BE49-F238E27FC236}">
+                <a16:creationId xmlns:a16="http://schemas.microsoft.com/office/drawing/2014/main" id="{DD2A19CA-EC18-432D-8F8F-17079808F38B}"/>
+              </a:ext>
+            </a:extLst>
+          </p:cNvPr>
+          <p:cNvSpPr>
+            <a:spLocks noGrp="1"/>
+          </p:cNvSpPr>
+          <p:nvPr>
+            <p:ph type="ftr" sz="quarter" idx="11"/>
+          </p:nvPr>
+        </p:nvSpPr>
+        <p:spPr>
+          <a:xfrm>
+            <a:off x="4038600" y="6427374"/>
+            <a:ext cx="4114800" cy="365125"/>
+          </a:xfrm>
+        </p:spPr>
+        <p:txBody>
+          <a:bodyPr/>
+          <a:lstStyle/>
+          <a:p>
+            <a:r>
+              <a:rPr lang="en-IN" b="1" dirty="0">
+                <a:solidFill>
+                  <a:srgbClr val="002060"/>
+                </a:solidFill>
+                <a:latin typeface="Verdana" panose="020B0604030504040204" pitchFamily="34" charset="0"/>
+                <a:ea typeface="Verdana" panose="020B0604030504040204" pitchFamily="34" charset="0"/>
+              </a:rPr>
+              <a:t>30-May-2020</a:t>
+            </a:r>
+          </a:p>
+        </p:txBody>
+      </p:sp>
+      <p:sp>
+        <p:nvSpPr>
+          <p:cNvPr id="9" name="Slide Number Placeholder 8">
+            <a:extLst>
+              <a:ext uri="{FF2B5EF4-FFF2-40B4-BE49-F238E27FC236}">
+                <a16:creationId xmlns:a16="http://schemas.microsoft.com/office/drawing/2014/main" id="{8162625C-0B1F-42E0-BE7C-D99A08FED7A3}"/>
+              </a:ext>
+            </a:extLst>
+          </p:cNvPr>
+          <p:cNvSpPr>
+            <a:spLocks noGrp="1"/>
+          </p:cNvSpPr>
+          <p:nvPr>
+            <p:ph type="sldNum" sz="quarter" idx="12"/>
+          </p:nvPr>
+        </p:nvSpPr>
+        <p:spPr>
+          <a:xfrm>
+            <a:off x="8610600" y="6427374"/>
+            <a:ext cx="2743200" cy="365125"/>
+          </a:xfrm>
+        </p:spPr>
+        <p:txBody>
+          <a:bodyPr/>
+          <a:lstStyle/>
+          <a:p>
+            <a:fld id="{30AF63FB-5233-4811-A918-B572E3A55817}" type="slidenum">
+              <a:rPr lang="en-IN" b="1" smtClean="0">
+                <a:solidFill>
+                  <a:srgbClr val="002060"/>
+                </a:solidFill>
+                <a:latin typeface="Verdana" panose="020B0604030504040204" pitchFamily="34" charset="0"/>
+                <a:ea typeface="Verdana" panose="020B0604030504040204" pitchFamily="34" charset="0"/>
+              </a:rPr>
+              <a:t>12</a:t>
+            </a:fld>
+            <a:endParaRPr lang="en-IN" b="1" dirty="0">
+              <a:solidFill>
+                <a:srgbClr val="002060"/>
+              </a:solidFill>
+              <a:latin typeface="Verdana" panose="020B0604030504040204" pitchFamily="34" charset="0"/>
+              <a:ea typeface="Verdana" panose="020B0604030504040204" pitchFamily="34" charset="0"/>
+            </a:endParaRPr>
+          </a:p>
+        </p:txBody>
+      </p:sp>
+      <p:sp>
+        <p:nvSpPr>
+          <p:cNvPr id="12" name="Footer Placeholder 7">
+            <a:extLst>
+              <a:ext uri="{FF2B5EF4-FFF2-40B4-BE49-F238E27FC236}">
+                <a16:creationId xmlns:a16="http://schemas.microsoft.com/office/drawing/2014/main" id="{64C57949-E349-47D3-A505-A098233AF49D}"/>
+              </a:ext>
+            </a:extLst>
+          </p:cNvPr>
+          <p:cNvSpPr txBox="1">
+            <a:spLocks/>
+          </p:cNvSpPr>
+          <p:nvPr/>
+        </p:nvSpPr>
+        <p:spPr>
+          <a:xfrm>
+            <a:off x="133897" y="6428848"/>
+            <a:ext cx="4114800" cy="365125"/>
+          </a:xfrm>
+          <a:prstGeom prst="rect">
+            <a:avLst/>
+          </a:prstGeom>
+        </p:spPr>
+        <p:txBody>
+          <a:bodyPr vert="horz" lIns="91440" tIns="45720" rIns="91440" bIns="45720" rtlCol="0" anchor="ctr"/>
+          <a:lstStyle>
+            <a:defPPr>
+              <a:defRPr lang="en-US"/>
+            </a:defPPr>
+            <a:lvl1pPr marL="0" algn="ctr" defTabSz="914400" rtl="0" eaLnBrk="1" latinLnBrk="0" hangingPunct="1">
+              <a:defRPr sz="1200" kern="1200">
+                <a:solidFill>
+                  <a:schemeClr val="tx1">
+                    <a:tint val="75000"/>
+                  </a:schemeClr>
+                </a:solidFill>
+                <a:latin typeface="+mn-lt"/>
+                <a:ea typeface="+mn-ea"/>
+                <a:cs typeface="+mn-cs"/>
+              </a:defRPr>
+            </a:lvl1pPr>
+            <a:lvl2pPr marL="457200" algn="l" defTabSz="914400" rtl="0" eaLnBrk="1" latinLnBrk="0" hangingPunct="1">
+              <a:defRPr sz="1800" kern="1200">
+                <a:solidFill>
+                  <a:schemeClr val="tx1"/>
+                </a:solidFill>
+                <a:latin typeface="+mn-lt"/>
+                <a:ea typeface="+mn-ea"/>
+                <a:cs typeface="+mn-cs"/>
+              </a:defRPr>
+            </a:lvl2pPr>
+            <a:lvl3pPr marL="914400" algn="l" defTabSz="914400" rtl="0" eaLnBrk="1" latinLnBrk="0" hangingPunct="1">
+              <a:defRPr sz="1800" kern="1200">
+                <a:solidFill>
+                  <a:schemeClr val="tx1"/>
+                </a:solidFill>
+                <a:latin typeface="+mn-lt"/>
+                <a:ea typeface="+mn-ea"/>
+                <a:cs typeface="+mn-cs"/>
+              </a:defRPr>
+            </a:lvl3pPr>
+            <a:lvl4pPr marL="1371600" algn="l" defTabSz="914400" rtl="0" eaLnBrk="1" latinLnBrk="0" hangingPunct="1">
+              <a:defRPr sz="1800" kern="1200">
+                <a:solidFill>
+                  <a:schemeClr val="tx1"/>
+                </a:solidFill>
+                <a:latin typeface="+mn-lt"/>
+                <a:ea typeface="+mn-ea"/>
+                <a:cs typeface="+mn-cs"/>
+              </a:defRPr>
+            </a:lvl4pPr>
+            <a:lvl5pPr marL="1828800" algn="l" defTabSz="914400" rtl="0" eaLnBrk="1" latinLnBrk="0" hangingPunct="1">
+              <a:defRPr sz="1800" kern="1200">
+                <a:solidFill>
+                  <a:schemeClr val="tx1"/>
+                </a:solidFill>
+                <a:latin typeface="+mn-lt"/>
+                <a:ea typeface="+mn-ea"/>
+                <a:cs typeface="+mn-cs"/>
+              </a:defRPr>
+            </a:lvl5pPr>
+            <a:lvl6pPr marL="2286000" algn="l" defTabSz="914400" rtl="0" eaLnBrk="1" latinLnBrk="0" hangingPunct="1">
+              <a:defRPr sz="1800" kern="1200">
+                <a:solidFill>
+                  <a:schemeClr val="tx1"/>
+                </a:solidFill>
+                <a:latin typeface="+mn-lt"/>
+                <a:ea typeface="+mn-ea"/>
+                <a:cs typeface="+mn-cs"/>
+              </a:defRPr>
+            </a:lvl6pPr>
+            <a:lvl7pPr marL="2743200" algn="l" defTabSz="914400" rtl="0" eaLnBrk="1" latinLnBrk="0" hangingPunct="1">
+              <a:defRPr sz="1800" kern="1200">
+                <a:solidFill>
+                  <a:schemeClr val="tx1"/>
+                </a:solidFill>
+                <a:latin typeface="+mn-lt"/>
+                <a:ea typeface="+mn-ea"/>
+                <a:cs typeface="+mn-cs"/>
+              </a:defRPr>
+            </a:lvl7pPr>
+            <a:lvl8pPr marL="3200400" algn="l" defTabSz="914400" rtl="0" eaLnBrk="1" latinLnBrk="0" hangingPunct="1">
+              <a:defRPr sz="1800" kern="1200">
+                <a:solidFill>
+                  <a:schemeClr val="tx1"/>
+                </a:solidFill>
+                <a:latin typeface="+mn-lt"/>
+                <a:ea typeface="+mn-ea"/>
+                <a:cs typeface="+mn-cs"/>
+              </a:defRPr>
+            </a:lvl8pPr>
+            <a:lvl9pPr marL="3657600" algn="l" defTabSz="914400" rtl="0" eaLnBrk="1" latinLnBrk="0" hangingPunct="1">
+              <a:defRPr sz="1800" kern="1200">
+                <a:solidFill>
+                  <a:schemeClr val="tx1"/>
+                </a:solidFill>
+                <a:latin typeface="+mn-lt"/>
+                <a:ea typeface="+mn-ea"/>
+                <a:cs typeface="+mn-cs"/>
+              </a:defRPr>
+            </a:lvl9pPr>
+          </a:lstStyle>
+          <a:p>
+            <a:r>
+              <a:rPr lang="en-IN" b="1" dirty="0">
+                <a:solidFill>
+                  <a:srgbClr val="002060"/>
+                </a:solidFill>
+                <a:latin typeface="Verdana" panose="020B0604030504040204" pitchFamily="34" charset="0"/>
+                <a:ea typeface="Verdana" panose="020B0604030504040204" pitchFamily="34" charset="0"/>
+              </a:rPr>
+              <a:t>C# Corner</a:t>
+            </a:r>
+          </a:p>
+        </p:txBody>
+      </p:sp>
+      <p:sp>
+        <p:nvSpPr>
+          <p:cNvPr id="11" name="Rectangle 10">
+            <a:extLst>
+              <a:ext uri="{FF2B5EF4-FFF2-40B4-BE49-F238E27FC236}">
+                <a16:creationId xmlns:a16="http://schemas.microsoft.com/office/drawing/2014/main" id="{F60D9B38-5067-4841-9B4A-CE7786A2CB4A}"/>
+              </a:ext>
+            </a:extLst>
+          </p:cNvPr>
+          <p:cNvSpPr/>
+          <p:nvPr/>
+        </p:nvSpPr>
+        <p:spPr>
+          <a:xfrm>
+            <a:off x="192675" y="588106"/>
+            <a:ext cx="11771171" cy="3020699"/>
+          </a:xfrm>
+          <a:prstGeom prst="rect">
+            <a:avLst/>
+          </a:prstGeom>
+          <a:noFill/>
+        </p:spPr>
+        <p:txBody>
+          <a:bodyPr wrap="none" lIns="91440" tIns="45720" rIns="91440" bIns="45720">
+            <a:spAutoFit/>
+          </a:bodyPr>
+          <a:lstStyle/>
+          <a:p>
+            <a:pPr algn="ctr"/>
+            <a:r>
+              <a:rPr lang="en-US" sz="8800" b="1" cap="none" spc="0" dirty="0">
+                <a:ln w="9525">
+                  <a:solidFill>
+                    <a:schemeClr val="bg1"/>
+                  </a:solidFill>
+                  <a:prstDash val="solid"/>
+                </a:ln>
+                <a:solidFill>
+                  <a:schemeClr val="accent5"/>
+                </a:solidFill>
+                <a:effectLst>
+                  <a:outerShdw blurRad="12700" dist="38100" dir="2700000" algn="tl" rotWithShape="0">
+                    <a:schemeClr val="accent5">
+                      <a:lumMod val="60000"/>
+                      <a:lumOff val="40000"/>
+                    </a:schemeClr>
+                  </a:outerShdw>
+                </a:effectLst>
+                <a:latin typeface="Verdana" panose="020B0604030504040204" pitchFamily="34" charset="0"/>
+                <a:ea typeface="Verdana" panose="020B0604030504040204" pitchFamily="34" charset="0"/>
+              </a:rPr>
+              <a:t>Demo</a:t>
+            </a:r>
+          </a:p>
+          <a:p>
+            <a:pPr marL="1371600" indent="-1371600" algn="ctr">
+              <a:buAutoNum type="arabicPeriod"/>
+            </a:pPr>
+            <a:endParaRPr lang="en-US" sz="4000" b="1" cap="none" spc="0" dirty="0">
+              <a:ln w="9525">
+                <a:solidFill>
+                  <a:schemeClr val="bg1"/>
+                </a:solidFill>
+                <a:prstDash val="solid"/>
+              </a:ln>
+              <a:solidFill>
+                <a:schemeClr val="accent5"/>
+              </a:solidFill>
+              <a:effectLst>
+                <a:outerShdw blurRad="12700" dist="38100" dir="2700000" algn="tl" rotWithShape="0">
+                  <a:schemeClr val="accent5">
+                    <a:lumMod val="60000"/>
+                    <a:lumOff val="40000"/>
+                  </a:schemeClr>
+                </a:outerShdw>
+              </a:effectLst>
+              <a:latin typeface="Verdana" panose="020B0604030504040204" pitchFamily="34" charset="0"/>
+              <a:ea typeface="Verdana" panose="020B0604030504040204" pitchFamily="34" charset="0"/>
+            </a:endParaRPr>
+          </a:p>
+          <a:p>
+            <a:pPr algn="ctr">
+              <a:lnSpc>
+                <a:spcPct val="150000"/>
+              </a:lnSpc>
+            </a:pPr>
+            <a:r>
+              <a:rPr lang="en-US" sz="4800" b="1" dirty="0">
+                <a:ln w="9525">
+                  <a:solidFill>
+                    <a:schemeClr val="bg1"/>
+                  </a:solidFill>
+                  <a:prstDash val="solid"/>
+                </a:ln>
+                <a:solidFill>
+                  <a:schemeClr val="accent5"/>
+                </a:solidFill>
+                <a:effectLst>
+                  <a:outerShdw blurRad="12700" dist="38100" dir="2700000" algn="tl" rotWithShape="0">
+                    <a:schemeClr val="accent5">
+                      <a:lumMod val="60000"/>
+                      <a:lumOff val="40000"/>
+                    </a:schemeClr>
+                  </a:outerShdw>
+                </a:effectLst>
+                <a:latin typeface="Verdana" panose="020B0604030504040204" pitchFamily="34" charset="0"/>
+                <a:ea typeface="Verdana" panose="020B0604030504040204" pitchFamily="34" charset="0"/>
+              </a:rPr>
+              <a:t>Adding Redis Cache into Web API</a:t>
+            </a:r>
+          </a:p>
+        </p:txBody>
+      </p:sp>
+    </p:spTree>
+    <p:extLst>
+      <p:ext uri="{BB962C8B-B14F-4D97-AF65-F5344CB8AC3E}">
+        <p14:creationId xmlns:p14="http://schemas.microsoft.com/office/powerpoint/2010/main" val="1682330247"/>
+      </p:ext>
+    </p:extLst>
+  </p:cSld>
+  <p:clrMapOvr>
+    <a:masterClrMapping/>
+  </p:clrMapOvr>
+</p:sld>
+</file>
+
+<file path=ppt/slides/slide13.xml><?xml version="1.0" encoding="utf-8"?>
+<p:sld xmlns:a="http://schemas.openxmlformats.org/drawingml/2006/main" xmlns:r="http://schemas.openxmlformats.org/officeDocument/2006/relationships" xmlns:p="http://schemas.openxmlformats.org/presentationml/2006/main">
+  <p:cSld>
+    <p:spTree>
+      <p:nvGrpSpPr>
+        <p:cNvPr id="1" name=""/>
+        <p:cNvGrpSpPr/>
+        <p:nvPr/>
+      </p:nvGrpSpPr>
+      <p:grpSpPr>
+        <a:xfrm>
+          <a:off x="0" y="0"/>
+          <a:ext cx="0" cy="0"/>
+          <a:chOff x="0" y="0"/>
+          <a:chExt cx="0" cy="0"/>
+        </a:xfrm>
+      </p:grpSpPr>
+      <p:sp>
+        <p:nvSpPr>
+          <p:cNvPr id="4" name="Rectangle 3">
+            <a:extLst>
+              <a:ext uri="{FF2B5EF4-FFF2-40B4-BE49-F238E27FC236}">
+                <a16:creationId xmlns:a16="http://schemas.microsoft.com/office/drawing/2014/main" id="{055C22F7-3FD1-4C1B-8D0C-0C2F7FB61DBE}"/>
+              </a:ext>
+            </a:extLst>
+          </p:cNvPr>
+          <p:cNvSpPr/>
+          <p:nvPr/>
+        </p:nvSpPr>
+        <p:spPr>
+          <a:xfrm>
+            <a:off x="0" y="8878"/>
+            <a:ext cx="12183122" cy="497150"/>
+          </a:xfrm>
+          <a:prstGeom prst="rect">
+            <a:avLst/>
+          </a:prstGeom>
+          <a:solidFill>
+            <a:srgbClr val="0070C0"/>
+          </a:solidFill>
+        </p:spPr>
+        <p:style>
+          <a:lnRef idx="2">
+            <a:schemeClr val="accent1">
+              <a:shade val="50000"/>
+            </a:schemeClr>
+          </a:lnRef>
+          <a:fillRef idx="1">
+            <a:schemeClr val="accent1"/>
+          </a:fillRef>
+          <a:effectRef idx="0">
+            <a:schemeClr val="accent1"/>
+          </a:effectRef>
+          <a:fontRef idx="minor">
+            <a:schemeClr val="lt1"/>
+          </a:fontRef>
+        </p:style>
+        <p:txBody>
+          <a:bodyPr rtlCol="0" anchor="ctr"/>
+          <a:lstStyle/>
+          <a:p>
+            <a:pPr algn="ctr"/>
+            <a:r>
+              <a:rPr lang="en-US" b="1" dirty="0">
+                <a:latin typeface="Verdana" panose="020B0604030504040204" pitchFamily="34" charset="0"/>
+                <a:ea typeface="Verdana" panose="020B0604030504040204" pitchFamily="34" charset="0"/>
+              </a:rPr>
+              <a:t>Consuming the ASP.net Core Web API in Client Application</a:t>
+            </a:r>
+            <a:endParaRPr lang="en-IN" b="1" dirty="0">
+              <a:latin typeface="Verdana" panose="020B0604030504040204" pitchFamily="34" charset="0"/>
+              <a:ea typeface="Verdana" panose="020B0604030504040204" pitchFamily="34" charset="0"/>
+            </a:endParaRPr>
+          </a:p>
+        </p:txBody>
+      </p:sp>
+      <p:sp>
+        <p:nvSpPr>
+          <p:cNvPr id="7" name="Rectangle 6">
+            <a:extLst>
+              <a:ext uri="{FF2B5EF4-FFF2-40B4-BE49-F238E27FC236}">
+                <a16:creationId xmlns:a16="http://schemas.microsoft.com/office/drawing/2014/main" id="{B10720DE-FD2A-4FE5-B9FB-74854D01A659}"/>
+              </a:ext>
+            </a:extLst>
+          </p:cNvPr>
+          <p:cNvSpPr/>
+          <p:nvPr/>
+        </p:nvSpPr>
+        <p:spPr>
+          <a:xfrm>
+            <a:off x="0" y="6383046"/>
+            <a:ext cx="12183122" cy="57703"/>
+          </a:xfrm>
+          <a:prstGeom prst="rect">
+            <a:avLst/>
+          </a:prstGeom>
+          <a:solidFill>
+            <a:srgbClr val="0070C0"/>
+          </a:solidFill>
+        </p:spPr>
+        <p:style>
+          <a:lnRef idx="2">
+            <a:schemeClr val="accent1">
+              <a:shade val="50000"/>
+            </a:schemeClr>
+          </a:lnRef>
+          <a:fillRef idx="1">
+            <a:schemeClr val="accent1"/>
+          </a:fillRef>
+          <a:effectRef idx="0">
+            <a:schemeClr val="accent1"/>
+          </a:effectRef>
+          <a:fontRef idx="minor">
+            <a:schemeClr val="lt1"/>
+          </a:fontRef>
+        </p:style>
+        <p:txBody>
+          <a:bodyPr rtlCol="0" anchor="ctr"/>
+          <a:lstStyle/>
+          <a:p>
+            <a:pPr algn="ctr"/>
+            <a:endParaRPr lang="en-IN" sz="1000" dirty="0">
+              <a:latin typeface="Verdana" panose="020B0604030504040204" pitchFamily="34" charset="0"/>
+              <a:ea typeface="Verdana" panose="020B0604030504040204" pitchFamily="34" charset="0"/>
+            </a:endParaRPr>
+          </a:p>
+        </p:txBody>
+      </p:sp>
+      <p:sp>
+        <p:nvSpPr>
+          <p:cNvPr id="8" name="Footer Placeholder 7">
+            <a:extLst>
+              <a:ext uri="{FF2B5EF4-FFF2-40B4-BE49-F238E27FC236}">
+                <a16:creationId xmlns:a16="http://schemas.microsoft.com/office/drawing/2014/main" id="{DD2A19CA-EC18-432D-8F8F-17079808F38B}"/>
+              </a:ext>
+            </a:extLst>
+          </p:cNvPr>
+          <p:cNvSpPr>
+            <a:spLocks noGrp="1"/>
+          </p:cNvSpPr>
+          <p:nvPr>
+            <p:ph type="ftr" sz="quarter" idx="11"/>
+          </p:nvPr>
+        </p:nvSpPr>
+        <p:spPr>
+          <a:xfrm>
+            <a:off x="4038600" y="6427374"/>
+            <a:ext cx="4114800" cy="365125"/>
+          </a:xfrm>
+        </p:spPr>
+        <p:txBody>
+          <a:bodyPr/>
+          <a:lstStyle/>
+          <a:p>
+            <a:r>
+              <a:rPr lang="en-IN" b="1" dirty="0">
+                <a:solidFill>
+                  <a:srgbClr val="002060"/>
+                </a:solidFill>
+                <a:latin typeface="Verdana" panose="020B0604030504040204" pitchFamily="34" charset="0"/>
+                <a:ea typeface="Verdana" panose="020B0604030504040204" pitchFamily="34" charset="0"/>
+              </a:rPr>
+              <a:t>30-May-2020</a:t>
+            </a:r>
+          </a:p>
+        </p:txBody>
+      </p:sp>
+      <p:sp>
+        <p:nvSpPr>
+          <p:cNvPr id="9" name="Slide Number Placeholder 8">
+            <a:extLst>
+              <a:ext uri="{FF2B5EF4-FFF2-40B4-BE49-F238E27FC236}">
+                <a16:creationId xmlns:a16="http://schemas.microsoft.com/office/drawing/2014/main" id="{8162625C-0B1F-42E0-BE7C-D99A08FED7A3}"/>
+              </a:ext>
+            </a:extLst>
+          </p:cNvPr>
+          <p:cNvSpPr>
+            <a:spLocks noGrp="1"/>
+          </p:cNvSpPr>
+          <p:nvPr>
+            <p:ph type="sldNum" sz="quarter" idx="12"/>
+          </p:nvPr>
+        </p:nvSpPr>
+        <p:spPr>
+          <a:xfrm>
+            <a:off x="8610600" y="6427374"/>
+            <a:ext cx="2743200" cy="365125"/>
+          </a:xfrm>
+        </p:spPr>
+        <p:txBody>
+          <a:bodyPr/>
+          <a:lstStyle/>
+          <a:p>
+            <a:fld id="{30AF63FB-5233-4811-A918-B572E3A55817}" type="slidenum">
+              <a:rPr lang="en-IN" b="1" smtClean="0">
+                <a:solidFill>
+                  <a:srgbClr val="002060"/>
+                </a:solidFill>
+                <a:latin typeface="Verdana" panose="020B0604030504040204" pitchFamily="34" charset="0"/>
+                <a:ea typeface="Verdana" panose="020B0604030504040204" pitchFamily="34" charset="0"/>
+              </a:rPr>
+              <a:t>13</a:t>
+            </a:fld>
+            <a:endParaRPr lang="en-IN" b="1" dirty="0">
+              <a:solidFill>
+                <a:srgbClr val="002060"/>
+              </a:solidFill>
+              <a:latin typeface="Verdana" panose="020B0604030504040204" pitchFamily="34" charset="0"/>
+              <a:ea typeface="Verdana" panose="020B0604030504040204" pitchFamily="34" charset="0"/>
+            </a:endParaRPr>
+          </a:p>
+        </p:txBody>
+      </p:sp>
+      <p:sp>
+        <p:nvSpPr>
+          <p:cNvPr id="12" name="Footer Placeholder 7">
+            <a:extLst>
+              <a:ext uri="{FF2B5EF4-FFF2-40B4-BE49-F238E27FC236}">
+                <a16:creationId xmlns:a16="http://schemas.microsoft.com/office/drawing/2014/main" id="{64C57949-E349-47D3-A505-A098233AF49D}"/>
+              </a:ext>
+            </a:extLst>
+          </p:cNvPr>
+          <p:cNvSpPr txBox="1">
+            <a:spLocks/>
+          </p:cNvSpPr>
+          <p:nvPr/>
+        </p:nvSpPr>
+        <p:spPr>
+          <a:xfrm>
+            <a:off x="133897" y="6428848"/>
+            <a:ext cx="4114800" cy="365125"/>
+          </a:xfrm>
+          <a:prstGeom prst="rect">
+            <a:avLst/>
+          </a:prstGeom>
+        </p:spPr>
+        <p:txBody>
+          <a:bodyPr vert="horz" lIns="91440" tIns="45720" rIns="91440" bIns="45720" rtlCol="0" anchor="ctr"/>
+          <a:lstStyle>
+            <a:defPPr>
+              <a:defRPr lang="en-US"/>
+            </a:defPPr>
+            <a:lvl1pPr marL="0" algn="ctr" defTabSz="914400" rtl="0" eaLnBrk="1" latinLnBrk="0" hangingPunct="1">
+              <a:defRPr sz="1200" kern="1200">
+                <a:solidFill>
+                  <a:schemeClr val="tx1">
+                    <a:tint val="75000"/>
+                  </a:schemeClr>
+                </a:solidFill>
+                <a:latin typeface="+mn-lt"/>
+                <a:ea typeface="+mn-ea"/>
+                <a:cs typeface="+mn-cs"/>
+              </a:defRPr>
+            </a:lvl1pPr>
+            <a:lvl2pPr marL="457200" algn="l" defTabSz="914400" rtl="0" eaLnBrk="1" latinLnBrk="0" hangingPunct="1">
+              <a:defRPr sz="1800" kern="1200">
+                <a:solidFill>
+                  <a:schemeClr val="tx1"/>
+                </a:solidFill>
+                <a:latin typeface="+mn-lt"/>
+                <a:ea typeface="+mn-ea"/>
+                <a:cs typeface="+mn-cs"/>
+              </a:defRPr>
+            </a:lvl2pPr>
+            <a:lvl3pPr marL="914400" algn="l" defTabSz="914400" rtl="0" eaLnBrk="1" latinLnBrk="0" hangingPunct="1">
+              <a:defRPr sz="1800" kern="1200">
+                <a:solidFill>
+                  <a:schemeClr val="tx1"/>
+                </a:solidFill>
+                <a:latin typeface="+mn-lt"/>
+                <a:ea typeface="+mn-ea"/>
+                <a:cs typeface="+mn-cs"/>
+              </a:defRPr>
+            </a:lvl3pPr>
+            <a:lvl4pPr marL="1371600" algn="l" defTabSz="914400" rtl="0" eaLnBrk="1" latinLnBrk="0" hangingPunct="1">
+              <a:defRPr sz="1800" kern="1200">
+                <a:solidFill>
+                  <a:schemeClr val="tx1"/>
+                </a:solidFill>
+                <a:latin typeface="+mn-lt"/>
+                <a:ea typeface="+mn-ea"/>
+                <a:cs typeface="+mn-cs"/>
+              </a:defRPr>
+            </a:lvl4pPr>
+            <a:lvl5pPr marL="1828800" algn="l" defTabSz="914400" rtl="0" eaLnBrk="1" latinLnBrk="0" hangingPunct="1">
+              <a:defRPr sz="1800" kern="1200">
+                <a:solidFill>
+                  <a:schemeClr val="tx1"/>
+                </a:solidFill>
+                <a:latin typeface="+mn-lt"/>
+                <a:ea typeface="+mn-ea"/>
+                <a:cs typeface="+mn-cs"/>
+              </a:defRPr>
+            </a:lvl5pPr>
+            <a:lvl6pPr marL="2286000" algn="l" defTabSz="914400" rtl="0" eaLnBrk="1" latinLnBrk="0" hangingPunct="1">
+              <a:defRPr sz="1800" kern="1200">
+                <a:solidFill>
+                  <a:schemeClr val="tx1"/>
+                </a:solidFill>
+                <a:latin typeface="+mn-lt"/>
+                <a:ea typeface="+mn-ea"/>
+                <a:cs typeface="+mn-cs"/>
+              </a:defRPr>
+            </a:lvl6pPr>
+            <a:lvl7pPr marL="2743200" algn="l" defTabSz="914400" rtl="0" eaLnBrk="1" latinLnBrk="0" hangingPunct="1">
+              <a:defRPr sz="1800" kern="1200">
+                <a:solidFill>
+                  <a:schemeClr val="tx1"/>
+                </a:solidFill>
+                <a:latin typeface="+mn-lt"/>
+                <a:ea typeface="+mn-ea"/>
+                <a:cs typeface="+mn-cs"/>
+              </a:defRPr>
+            </a:lvl7pPr>
+            <a:lvl8pPr marL="3200400" algn="l" defTabSz="914400" rtl="0" eaLnBrk="1" latinLnBrk="0" hangingPunct="1">
+              <a:defRPr sz="1800" kern="1200">
+                <a:solidFill>
+                  <a:schemeClr val="tx1"/>
+                </a:solidFill>
+                <a:latin typeface="+mn-lt"/>
+                <a:ea typeface="+mn-ea"/>
+                <a:cs typeface="+mn-cs"/>
+              </a:defRPr>
+            </a:lvl8pPr>
+            <a:lvl9pPr marL="3657600" algn="l" defTabSz="914400" rtl="0" eaLnBrk="1" latinLnBrk="0" hangingPunct="1">
+              <a:defRPr sz="1800" kern="1200">
+                <a:solidFill>
+                  <a:schemeClr val="tx1"/>
+                </a:solidFill>
+                <a:latin typeface="+mn-lt"/>
+                <a:ea typeface="+mn-ea"/>
+                <a:cs typeface="+mn-cs"/>
+              </a:defRPr>
+            </a:lvl9pPr>
+          </a:lstStyle>
+          <a:p>
+            <a:r>
+              <a:rPr lang="en-IN" b="1" dirty="0">
+                <a:solidFill>
+                  <a:srgbClr val="002060"/>
+                </a:solidFill>
+                <a:latin typeface="Verdana" panose="020B0604030504040204" pitchFamily="34" charset="0"/>
+                <a:ea typeface="Verdana" panose="020B0604030504040204" pitchFamily="34" charset="0"/>
+              </a:rPr>
+              <a:t>C# Corner</a:t>
+            </a:r>
+          </a:p>
+        </p:txBody>
+      </p:sp>
+      <p:pic>
+        <p:nvPicPr>
+          <p:cNvPr id="2" name="Picture 1">
+            <a:extLst>
+              <a:ext uri="{FF2B5EF4-FFF2-40B4-BE49-F238E27FC236}">
+                <a16:creationId xmlns:a16="http://schemas.microsoft.com/office/drawing/2014/main" id="{A9C22E08-F06B-4480-95CB-BA847D1DCB52}"/>
+              </a:ext>
+            </a:extLst>
+          </p:cNvPr>
+          <p:cNvPicPr>
+            <a:picLocks noChangeAspect="1"/>
+          </p:cNvPicPr>
+          <p:nvPr/>
+        </p:nvPicPr>
+        <p:blipFill>
+          <a:blip r:embed="rId2"/>
+          <a:stretch>
+            <a:fillRect/>
+          </a:stretch>
+        </p:blipFill>
+        <p:spPr>
+          <a:xfrm>
+            <a:off x="80629" y="612558"/>
+            <a:ext cx="12017339" cy="5681710"/>
+          </a:xfrm>
+          <a:prstGeom prst="rect">
+            <a:avLst/>
+          </a:prstGeom>
+          <a:ln>
+            <a:solidFill>
+              <a:schemeClr val="accent1"/>
+            </a:solidFill>
+          </a:ln>
+        </p:spPr>
+      </p:pic>
+    </p:spTree>
+    <p:extLst>
+      <p:ext uri="{BB962C8B-B14F-4D97-AF65-F5344CB8AC3E}">
+        <p14:creationId xmlns:p14="http://schemas.microsoft.com/office/powerpoint/2010/main" val="561015459"/>
+      </p:ext>
+    </p:extLst>
+  </p:cSld>
+  <p:clrMapOvr>
+    <a:masterClrMapping/>
+  </p:clrMapOvr>
+</p:sld>
+</file>
+
+<file path=ppt/slides/slide14.xml><?xml version="1.0" encoding="utf-8"?>
+<p:sld xmlns:a="http://schemas.openxmlformats.org/drawingml/2006/main" xmlns:r="http://schemas.openxmlformats.org/officeDocument/2006/relationships" xmlns:p="http://schemas.openxmlformats.org/presentationml/2006/main">
+  <p:cSld>
+    <p:spTree>
+      <p:nvGrpSpPr>
+        <p:cNvPr id="1" name=""/>
+        <p:cNvGrpSpPr/>
+        <p:nvPr/>
+      </p:nvGrpSpPr>
+      <p:grpSpPr>
+        <a:xfrm>
+          <a:off x="0" y="0"/>
+          <a:ext cx="0" cy="0"/>
+          <a:chOff x="0" y="0"/>
+          <a:chExt cx="0" cy="0"/>
+        </a:xfrm>
+      </p:grpSpPr>
+      <p:sp>
+        <p:nvSpPr>
+          <p:cNvPr id="4" name="Rectangle 3">
+            <a:extLst>
+              <a:ext uri="{FF2B5EF4-FFF2-40B4-BE49-F238E27FC236}">
+                <a16:creationId xmlns:a16="http://schemas.microsoft.com/office/drawing/2014/main" id="{055C22F7-3FD1-4C1B-8D0C-0C2F7FB61DBE}"/>
+              </a:ext>
+            </a:extLst>
+          </p:cNvPr>
+          <p:cNvSpPr/>
+          <p:nvPr/>
+        </p:nvSpPr>
+        <p:spPr>
+          <a:xfrm>
+            <a:off x="0" y="8878"/>
+            <a:ext cx="12183122" cy="497150"/>
+          </a:xfrm>
+          <a:prstGeom prst="rect">
+            <a:avLst/>
+          </a:prstGeom>
+          <a:solidFill>
+            <a:srgbClr val="0070C0"/>
+          </a:solidFill>
+        </p:spPr>
+        <p:style>
+          <a:lnRef idx="2">
+            <a:schemeClr val="accent1">
+              <a:shade val="50000"/>
+            </a:schemeClr>
+          </a:lnRef>
+          <a:fillRef idx="1">
+            <a:schemeClr val="accent1"/>
+          </a:fillRef>
+          <a:effectRef idx="0">
+            <a:schemeClr val="accent1"/>
+          </a:effectRef>
+          <a:fontRef idx="minor">
+            <a:schemeClr val="lt1"/>
+          </a:fontRef>
+        </p:style>
+        <p:txBody>
+          <a:bodyPr rtlCol="0" anchor="ctr"/>
+          <a:lstStyle/>
+          <a:p>
+            <a:pPr algn="ctr"/>
+            <a:r>
+              <a:rPr lang="en-US" b="1" dirty="0">
+                <a:latin typeface="Verdana" panose="020B0604030504040204" pitchFamily="34" charset="0"/>
+                <a:ea typeface="Verdana" panose="020B0604030504040204" pitchFamily="34" charset="0"/>
+              </a:rPr>
+              <a:t>Consuming the ASP.net Core Web API in Client Application</a:t>
+            </a:r>
+            <a:endParaRPr lang="en-IN" b="1" dirty="0">
+              <a:latin typeface="Verdana" panose="020B0604030504040204" pitchFamily="34" charset="0"/>
+              <a:ea typeface="Verdana" panose="020B0604030504040204" pitchFamily="34" charset="0"/>
+            </a:endParaRPr>
+          </a:p>
+        </p:txBody>
+      </p:sp>
+      <p:sp>
+        <p:nvSpPr>
+          <p:cNvPr id="7" name="Rectangle 6">
+            <a:extLst>
+              <a:ext uri="{FF2B5EF4-FFF2-40B4-BE49-F238E27FC236}">
+                <a16:creationId xmlns:a16="http://schemas.microsoft.com/office/drawing/2014/main" id="{B10720DE-FD2A-4FE5-B9FB-74854D01A659}"/>
+              </a:ext>
+            </a:extLst>
+          </p:cNvPr>
+          <p:cNvSpPr/>
+          <p:nvPr/>
+        </p:nvSpPr>
+        <p:spPr>
+          <a:xfrm>
+            <a:off x="0" y="6383046"/>
+            <a:ext cx="12183122" cy="57703"/>
+          </a:xfrm>
+          <a:prstGeom prst="rect">
+            <a:avLst/>
+          </a:prstGeom>
+          <a:solidFill>
+            <a:srgbClr val="0070C0"/>
+          </a:solidFill>
+        </p:spPr>
+        <p:style>
+          <a:lnRef idx="2">
+            <a:schemeClr val="accent1">
+              <a:shade val="50000"/>
+            </a:schemeClr>
+          </a:lnRef>
+          <a:fillRef idx="1">
+            <a:schemeClr val="accent1"/>
+          </a:fillRef>
+          <a:effectRef idx="0">
+            <a:schemeClr val="accent1"/>
+          </a:effectRef>
+          <a:fontRef idx="minor">
+            <a:schemeClr val="lt1"/>
+          </a:fontRef>
+        </p:style>
+        <p:txBody>
+          <a:bodyPr rtlCol="0" anchor="ctr"/>
+          <a:lstStyle/>
+          <a:p>
+            <a:pPr algn="ctr"/>
+            <a:endParaRPr lang="en-IN" sz="1000" dirty="0">
+              <a:latin typeface="Verdana" panose="020B0604030504040204" pitchFamily="34" charset="0"/>
+              <a:ea typeface="Verdana" panose="020B0604030504040204" pitchFamily="34" charset="0"/>
+            </a:endParaRPr>
+          </a:p>
+        </p:txBody>
+      </p:sp>
+      <p:sp>
+        <p:nvSpPr>
+          <p:cNvPr id="8" name="Footer Placeholder 7">
+            <a:extLst>
+              <a:ext uri="{FF2B5EF4-FFF2-40B4-BE49-F238E27FC236}">
+                <a16:creationId xmlns:a16="http://schemas.microsoft.com/office/drawing/2014/main" id="{DD2A19CA-EC18-432D-8F8F-17079808F38B}"/>
+              </a:ext>
+            </a:extLst>
+          </p:cNvPr>
+          <p:cNvSpPr>
+            <a:spLocks noGrp="1"/>
+          </p:cNvSpPr>
+          <p:nvPr>
+            <p:ph type="ftr" sz="quarter" idx="11"/>
+          </p:nvPr>
+        </p:nvSpPr>
+        <p:spPr>
+          <a:xfrm>
+            <a:off x="4038600" y="6427374"/>
+            <a:ext cx="4114800" cy="365125"/>
+          </a:xfrm>
+        </p:spPr>
+        <p:txBody>
+          <a:bodyPr/>
+          <a:lstStyle/>
+          <a:p>
+            <a:r>
+              <a:rPr lang="en-IN" b="1" dirty="0">
+                <a:solidFill>
+                  <a:srgbClr val="002060"/>
+                </a:solidFill>
+                <a:latin typeface="Verdana" panose="020B0604030504040204" pitchFamily="34" charset="0"/>
+                <a:ea typeface="Verdana" panose="020B0604030504040204" pitchFamily="34" charset="0"/>
+              </a:rPr>
+              <a:t>30-May-2020</a:t>
+            </a:r>
+          </a:p>
+        </p:txBody>
+      </p:sp>
+      <p:sp>
+        <p:nvSpPr>
+          <p:cNvPr id="9" name="Slide Number Placeholder 8">
+            <a:extLst>
+              <a:ext uri="{FF2B5EF4-FFF2-40B4-BE49-F238E27FC236}">
+                <a16:creationId xmlns:a16="http://schemas.microsoft.com/office/drawing/2014/main" id="{8162625C-0B1F-42E0-BE7C-D99A08FED7A3}"/>
+              </a:ext>
+            </a:extLst>
+          </p:cNvPr>
+          <p:cNvSpPr>
+            <a:spLocks noGrp="1"/>
+          </p:cNvSpPr>
+          <p:nvPr>
+            <p:ph type="sldNum" sz="quarter" idx="12"/>
+          </p:nvPr>
+        </p:nvSpPr>
+        <p:spPr>
+          <a:xfrm>
+            <a:off x="8610600" y="6427374"/>
+            <a:ext cx="2743200" cy="365125"/>
+          </a:xfrm>
+        </p:spPr>
+        <p:txBody>
+          <a:bodyPr/>
+          <a:lstStyle/>
+          <a:p>
+            <a:fld id="{30AF63FB-5233-4811-A918-B572E3A55817}" type="slidenum">
+              <a:rPr lang="en-IN" b="1" smtClean="0">
+                <a:solidFill>
+                  <a:srgbClr val="002060"/>
+                </a:solidFill>
+                <a:latin typeface="Verdana" panose="020B0604030504040204" pitchFamily="34" charset="0"/>
+                <a:ea typeface="Verdana" panose="020B0604030504040204" pitchFamily="34" charset="0"/>
+              </a:rPr>
+              <a:t>14</a:t>
+            </a:fld>
+            <a:endParaRPr lang="en-IN" b="1" dirty="0">
+              <a:solidFill>
+                <a:srgbClr val="002060"/>
+              </a:solidFill>
+              <a:latin typeface="Verdana" panose="020B0604030504040204" pitchFamily="34" charset="0"/>
+              <a:ea typeface="Verdana" panose="020B0604030504040204" pitchFamily="34" charset="0"/>
+            </a:endParaRPr>
+          </a:p>
+        </p:txBody>
+      </p:sp>
+      <p:sp>
+        <p:nvSpPr>
+          <p:cNvPr id="12" name="Footer Placeholder 7">
+            <a:extLst>
+              <a:ext uri="{FF2B5EF4-FFF2-40B4-BE49-F238E27FC236}">
+                <a16:creationId xmlns:a16="http://schemas.microsoft.com/office/drawing/2014/main" id="{64C57949-E349-47D3-A505-A098233AF49D}"/>
+              </a:ext>
+            </a:extLst>
+          </p:cNvPr>
+          <p:cNvSpPr txBox="1">
+            <a:spLocks/>
+          </p:cNvSpPr>
+          <p:nvPr/>
+        </p:nvSpPr>
+        <p:spPr>
+          <a:xfrm>
+            <a:off x="133897" y="6428848"/>
+            <a:ext cx="4114800" cy="365125"/>
+          </a:xfrm>
+          <a:prstGeom prst="rect">
+            <a:avLst/>
+          </a:prstGeom>
+        </p:spPr>
+        <p:txBody>
+          <a:bodyPr vert="horz" lIns="91440" tIns="45720" rIns="91440" bIns="45720" rtlCol="0" anchor="ctr"/>
+          <a:lstStyle>
+            <a:defPPr>
+              <a:defRPr lang="en-US"/>
+            </a:defPPr>
+            <a:lvl1pPr marL="0" algn="ctr" defTabSz="914400" rtl="0" eaLnBrk="1" latinLnBrk="0" hangingPunct="1">
+              <a:defRPr sz="1200" kern="1200">
+                <a:solidFill>
+                  <a:schemeClr val="tx1">
+                    <a:tint val="75000"/>
+                  </a:schemeClr>
+                </a:solidFill>
+                <a:latin typeface="+mn-lt"/>
+                <a:ea typeface="+mn-ea"/>
+                <a:cs typeface="+mn-cs"/>
+              </a:defRPr>
+            </a:lvl1pPr>
+            <a:lvl2pPr marL="457200" algn="l" defTabSz="914400" rtl="0" eaLnBrk="1" latinLnBrk="0" hangingPunct="1">
+              <a:defRPr sz="1800" kern="1200">
+                <a:solidFill>
+                  <a:schemeClr val="tx1"/>
+                </a:solidFill>
+                <a:latin typeface="+mn-lt"/>
+                <a:ea typeface="+mn-ea"/>
+                <a:cs typeface="+mn-cs"/>
+              </a:defRPr>
+            </a:lvl2pPr>
+            <a:lvl3pPr marL="914400" algn="l" defTabSz="914400" rtl="0" eaLnBrk="1" latinLnBrk="0" hangingPunct="1">
+              <a:defRPr sz="1800" kern="1200">
+                <a:solidFill>
+                  <a:schemeClr val="tx1"/>
+                </a:solidFill>
+                <a:latin typeface="+mn-lt"/>
+                <a:ea typeface="+mn-ea"/>
+                <a:cs typeface="+mn-cs"/>
+              </a:defRPr>
+            </a:lvl3pPr>
+            <a:lvl4pPr marL="1371600" algn="l" defTabSz="914400" rtl="0" eaLnBrk="1" latinLnBrk="0" hangingPunct="1">
+              <a:defRPr sz="1800" kern="1200">
+                <a:solidFill>
+                  <a:schemeClr val="tx1"/>
+                </a:solidFill>
+                <a:latin typeface="+mn-lt"/>
+                <a:ea typeface="+mn-ea"/>
+                <a:cs typeface="+mn-cs"/>
+              </a:defRPr>
+            </a:lvl4pPr>
+            <a:lvl5pPr marL="1828800" algn="l" defTabSz="914400" rtl="0" eaLnBrk="1" latinLnBrk="0" hangingPunct="1">
+              <a:defRPr sz="1800" kern="1200">
+                <a:solidFill>
+                  <a:schemeClr val="tx1"/>
+                </a:solidFill>
+                <a:latin typeface="+mn-lt"/>
+                <a:ea typeface="+mn-ea"/>
+                <a:cs typeface="+mn-cs"/>
+              </a:defRPr>
+            </a:lvl5pPr>
+            <a:lvl6pPr marL="2286000" algn="l" defTabSz="914400" rtl="0" eaLnBrk="1" latinLnBrk="0" hangingPunct="1">
+              <a:defRPr sz="1800" kern="1200">
+                <a:solidFill>
+                  <a:schemeClr val="tx1"/>
+                </a:solidFill>
+                <a:latin typeface="+mn-lt"/>
+                <a:ea typeface="+mn-ea"/>
+                <a:cs typeface="+mn-cs"/>
+              </a:defRPr>
+            </a:lvl6pPr>
+            <a:lvl7pPr marL="2743200" algn="l" defTabSz="914400" rtl="0" eaLnBrk="1" latinLnBrk="0" hangingPunct="1">
+              <a:defRPr sz="1800" kern="1200">
+                <a:solidFill>
+                  <a:schemeClr val="tx1"/>
+                </a:solidFill>
+                <a:latin typeface="+mn-lt"/>
+                <a:ea typeface="+mn-ea"/>
+                <a:cs typeface="+mn-cs"/>
+              </a:defRPr>
+            </a:lvl7pPr>
+            <a:lvl8pPr marL="3200400" algn="l" defTabSz="914400" rtl="0" eaLnBrk="1" latinLnBrk="0" hangingPunct="1">
+              <a:defRPr sz="1800" kern="1200">
+                <a:solidFill>
+                  <a:schemeClr val="tx1"/>
+                </a:solidFill>
+                <a:latin typeface="+mn-lt"/>
+                <a:ea typeface="+mn-ea"/>
+                <a:cs typeface="+mn-cs"/>
+              </a:defRPr>
+            </a:lvl8pPr>
+            <a:lvl9pPr marL="3657600" algn="l" defTabSz="914400" rtl="0" eaLnBrk="1" latinLnBrk="0" hangingPunct="1">
+              <a:defRPr sz="1800" kern="1200">
+                <a:solidFill>
+                  <a:schemeClr val="tx1"/>
+                </a:solidFill>
+                <a:latin typeface="+mn-lt"/>
+                <a:ea typeface="+mn-ea"/>
+                <a:cs typeface="+mn-cs"/>
+              </a:defRPr>
+            </a:lvl9pPr>
+          </a:lstStyle>
+          <a:p>
+            <a:r>
+              <a:rPr lang="en-IN" b="1" dirty="0">
+                <a:solidFill>
+                  <a:srgbClr val="002060"/>
+                </a:solidFill>
+                <a:latin typeface="Verdana" panose="020B0604030504040204" pitchFamily="34" charset="0"/>
+                <a:ea typeface="Verdana" panose="020B0604030504040204" pitchFamily="34" charset="0"/>
+              </a:rPr>
+              <a:t>C# Corner</a:t>
+            </a:r>
+          </a:p>
+        </p:txBody>
+      </p:sp>
+      <p:sp>
+        <p:nvSpPr>
+          <p:cNvPr id="11" name="Rectangle 10">
+            <a:extLst>
+              <a:ext uri="{FF2B5EF4-FFF2-40B4-BE49-F238E27FC236}">
+                <a16:creationId xmlns:a16="http://schemas.microsoft.com/office/drawing/2014/main" id="{F60D9B38-5067-4841-9B4A-CE7786A2CB4A}"/>
+              </a:ext>
+            </a:extLst>
+          </p:cNvPr>
+          <p:cNvSpPr/>
+          <p:nvPr/>
+        </p:nvSpPr>
+        <p:spPr>
+          <a:xfrm>
+            <a:off x="929254" y="588106"/>
+            <a:ext cx="10298011" cy="5236690"/>
+          </a:xfrm>
+          <a:prstGeom prst="rect">
+            <a:avLst/>
+          </a:prstGeom>
+          <a:noFill/>
+        </p:spPr>
+        <p:txBody>
+          <a:bodyPr wrap="none" lIns="91440" tIns="45720" rIns="91440" bIns="45720">
+            <a:spAutoFit/>
+          </a:bodyPr>
+          <a:lstStyle/>
+          <a:p>
+            <a:pPr algn="ctr"/>
+            <a:r>
+              <a:rPr lang="en-US" sz="8800" b="1" cap="none" spc="0" dirty="0">
+                <a:ln w="9525">
+                  <a:solidFill>
+                    <a:schemeClr val="bg1"/>
+                  </a:solidFill>
+                  <a:prstDash val="solid"/>
+                </a:ln>
+                <a:solidFill>
+                  <a:schemeClr val="accent5"/>
+                </a:solidFill>
+                <a:effectLst>
+                  <a:outerShdw blurRad="12700" dist="38100" dir="2700000" algn="tl" rotWithShape="0">
+                    <a:schemeClr val="accent5">
+                      <a:lumMod val="60000"/>
+                      <a:lumOff val="40000"/>
+                    </a:schemeClr>
+                  </a:outerShdw>
+                </a:effectLst>
+                <a:latin typeface="Verdana" panose="020B0604030504040204" pitchFamily="34" charset="0"/>
+                <a:ea typeface="Verdana" panose="020B0604030504040204" pitchFamily="34" charset="0"/>
+              </a:rPr>
+              <a:t>Demo</a:t>
+            </a:r>
+          </a:p>
+          <a:p>
+            <a:pPr marL="1371600" indent="-1371600" algn="ctr">
+              <a:buAutoNum type="arabicPeriod"/>
+            </a:pPr>
+            <a:endParaRPr lang="en-US" sz="4000" b="1" cap="none" spc="0" dirty="0">
+              <a:ln w="9525">
+                <a:solidFill>
+                  <a:schemeClr val="bg1"/>
+                </a:solidFill>
+                <a:prstDash val="solid"/>
+              </a:ln>
+              <a:solidFill>
+                <a:schemeClr val="accent5"/>
+              </a:solidFill>
+              <a:effectLst>
+                <a:outerShdw blurRad="12700" dist="38100" dir="2700000" algn="tl" rotWithShape="0">
+                  <a:schemeClr val="accent5">
+                    <a:lumMod val="60000"/>
+                    <a:lumOff val="40000"/>
+                  </a:schemeClr>
+                </a:outerShdw>
+              </a:effectLst>
+              <a:latin typeface="Verdana" panose="020B0604030504040204" pitchFamily="34" charset="0"/>
+              <a:ea typeface="Verdana" panose="020B0604030504040204" pitchFamily="34" charset="0"/>
+            </a:endParaRPr>
+          </a:p>
+          <a:p>
+            <a:pPr algn="ctr">
+              <a:lnSpc>
+                <a:spcPct val="150000"/>
+              </a:lnSpc>
+            </a:pPr>
+            <a:r>
+              <a:rPr lang="en-US" sz="4800" b="1" dirty="0">
+                <a:ln w="9525">
+                  <a:solidFill>
+                    <a:schemeClr val="bg1"/>
+                  </a:solidFill>
+                  <a:prstDash val="solid"/>
+                </a:ln>
+                <a:solidFill>
+                  <a:schemeClr val="accent5"/>
+                </a:solidFill>
+                <a:effectLst>
+                  <a:outerShdw blurRad="12700" dist="38100" dir="2700000" algn="tl" rotWithShape="0">
+                    <a:schemeClr val="accent5">
+                      <a:lumMod val="60000"/>
+                      <a:lumOff val="40000"/>
+                    </a:schemeClr>
+                  </a:outerShdw>
+                </a:effectLst>
+                <a:latin typeface="Verdana" panose="020B0604030504040204" pitchFamily="34" charset="0"/>
+                <a:ea typeface="Verdana" panose="020B0604030504040204" pitchFamily="34" charset="0"/>
+              </a:rPr>
+              <a:t>Consuming the ASP.net Core </a:t>
+            </a:r>
+          </a:p>
+          <a:p>
+            <a:pPr algn="ctr">
+              <a:lnSpc>
+                <a:spcPct val="150000"/>
+              </a:lnSpc>
+            </a:pPr>
+            <a:r>
+              <a:rPr lang="en-US" sz="4800" b="1" dirty="0">
+                <a:ln w="9525">
+                  <a:solidFill>
+                    <a:schemeClr val="bg1"/>
+                  </a:solidFill>
+                  <a:prstDash val="solid"/>
+                </a:ln>
+                <a:solidFill>
+                  <a:schemeClr val="accent5"/>
+                </a:solidFill>
+                <a:effectLst>
+                  <a:outerShdw blurRad="12700" dist="38100" dir="2700000" algn="tl" rotWithShape="0">
+                    <a:schemeClr val="accent5">
+                      <a:lumMod val="60000"/>
+                      <a:lumOff val="40000"/>
+                    </a:schemeClr>
+                  </a:outerShdw>
+                </a:effectLst>
+                <a:latin typeface="Verdana" panose="020B0604030504040204" pitchFamily="34" charset="0"/>
+                <a:ea typeface="Verdana" panose="020B0604030504040204" pitchFamily="34" charset="0"/>
+              </a:rPr>
+              <a:t>Web API </a:t>
+            </a:r>
+          </a:p>
+          <a:p>
+            <a:pPr algn="ctr">
+              <a:lnSpc>
+                <a:spcPct val="150000"/>
+              </a:lnSpc>
+            </a:pPr>
+            <a:r>
+              <a:rPr lang="en-US" sz="4800" b="1" dirty="0">
+                <a:ln w="9525">
+                  <a:solidFill>
+                    <a:schemeClr val="bg1"/>
+                  </a:solidFill>
+                  <a:prstDash val="solid"/>
+                </a:ln>
+                <a:solidFill>
+                  <a:schemeClr val="accent5"/>
+                </a:solidFill>
+                <a:effectLst>
+                  <a:outerShdw blurRad="12700" dist="38100" dir="2700000" algn="tl" rotWithShape="0">
+                    <a:schemeClr val="accent5">
+                      <a:lumMod val="60000"/>
+                      <a:lumOff val="40000"/>
+                    </a:schemeClr>
+                  </a:outerShdw>
+                </a:effectLst>
+                <a:latin typeface="Verdana" panose="020B0604030504040204" pitchFamily="34" charset="0"/>
+                <a:ea typeface="Verdana" panose="020B0604030504040204" pitchFamily="34" charset="0"/>
+              </a:rPr>
+              <a:t>in Client Application</a:t>
+            </a:r>
+          </a:p>
+        </p:txBody>
+      </p:sp>
+    </p:spTree>
+    <p:extLst>
+      <p:ext uri="{BB962C8B-B14F-4D97-AF65-F5344CB8AC3E}">
+        <p14:creationId xmlns:p14="http://schemas.microsoft.com/office/powerpoint/2010/main" val="2277705000"/>
+      </p:ext>
+    </p:extLst>
+  </p:cSld>
+  <p:clrMapOvr>
+    <a:masterClrMapping/>
+  </p:clrMapOvr>
+</p:sld>
+</file>
+
+<file path=ppt/slides/slide15.xml><?xml version="1.0" encoding="utf-8"?>
+<p:sld xmlns:a="http://schemas.openxmlformats.org/drawingml/2006/main" xmlns:r="http://schemas.openxmlformats.org/officeDocument/2006/relationships" xmlns:p="http://schemas.openxmlformats.org/presentationml/2006/main">
+  <p:cSld>
+    <p:spTree>
+      <p:nvGrpSpPr>
+        <p:cNvPr id="1" name=""/>
+        <p:cNvGrpSpPr/>
+        <p:nvPr/>
+      </p:nvGrpSpPr>
+      <p:grpSpPr>
+        <a:xfrm>
+          <a:off x="0" y="0"/>
+          <a:ext cx="0" cy="0"/>
+          <a:chOff x="0" y="0"/>
+          <a:chExt cx="0" cy="0"/>
+        </a:xfrm>
+      </p:grpSpPr>
+      <p:sp>
+        <p:nvSpPr>
+          <p:cNvPr id="4" name="Rectangle 3">
+            <a:extLst>
+              <a:ext uri="{FF2B5EF4-FFF2-40B4-BE49-F238E27FC236}">
+                <a16:creationId xmlns:a16="http://schemas.microsoft.com/office/drawing/2014/main" id="{055C22F7-3FD1-4C1B-8D0C-0C2F7FB61DBE}"/>
+              </a:ext>
+            </a:extLst>
+          </p:cNvPr>
+          <p:cNvSpPr/>
+          <p:nvPr/>
+        </p:nvSpPr>
+        <p:spPr>
+          <a:xfrm>
+            <a:off x="0" y="8878"/>
+            <a:ext cx="12183122" cy="497150"/>
+          </a:xfrm>
+          <a:prstGeom prst="rect">
+            <a:avLst/>
+          </a:prstGeom>
+          <a:solidFill>
+            <a:srgbClr val="0070C0"/>
+          </a:solidFill>
+        </p:spPr>
+        <p:style>
+          <a:lnRef idx="2">
+            <a:schemeClr val="accent1">
+              <a:shade val="50000"/>
+            </a:schemeClr>
+          </a:lnRef>
+          <a:fillRef idx="1">
+            <a:schemeClr val="accent1"/>
+          </a:fillRef>
+          <a:effectRef idx="0">
+            <a:schemeClr val="accent1"/>
+          </a:effectRef>
+          <a:fontRef idx="minor">
+            <a:schemeClr val="lt1"/>
+          </a:fontRef>
+        </p:style>
+        <p:txBody>
+          <a:bodyPr rtlCol="0" anchor="ctr"/>
+          <a:lstStyle/>
+          <a:p>
+            <a:pPr algn="ctr"/>
+            <a:r>
+              <a:rPr lang="en-US" dirty="0">
+                <a:latin typeface="Verdana" panose="020B0604030504040204" pitchFamily="34" charset="0"/>
+                <a:ea typeface="Verdana" panose="020B0604030504040204" pitchFamily="34" charset="0"/>
+              </a:rPr>
+              <a:t>What is next?</a:t>
+            </a:r>
+            <a:endParaRPr lang="en-IN" dirty="0">
+              <a:latin typeface="Verdana" panose="020B0604030504040204" pitchFamily="34" charset="0"/>
+              <a:ea typeface="Verdana" panose="020B0604030504040204" pitchFamily="34" charset="0"/>
+            </a:endParaRPr>
+          </a:p>
+        </p:txBody>
+      </p:sp>
+      <p:sp>
+        <p:nvSpPr>
+          <p:cNvPr id="7" name="Rectangle 6">
+            <a:extLst>
+              <a:ext uri="{FF2B5EF4-FFF2-40B4-BE49-F238E27FC236}">
+                <a16:creationId xmlns:a16="http://schemas.microsoft.com/office/drawing/2014/main" id="{B10720DE-FD2A-4FE5-B9FB-74854D01A659}"/>
+              </a:ext>
+            </a:extLst>
+          </p:cNvPr>
+          <p:cNvSpPr/>
+          <p:nvPr/>
+        </p:nvSpPr>
+        <p:spPr>
+          <a:xfrm>
+            <a:off x="0" y="6383046"/>
+            <a:ext cx="12183122" cy="57703"/>
+          </a:xfrm>
+          <a:prstGeom prst="rect">
+            <a:avLst/>
+          </a:prstGeom>
+          <a:solidFill>
+            <a:srgbClr val="0070C0"/>
+          </a:solidFill>
+        </p:spPr>
+        <p:style>
+          <a:lnRef idx="2">
+            <a:schemeClr val="accent1">
+              <a:shade val="50000"/>
+            </a:schemeClr>
+          </a:lnRef>
+          <a:fillRef idx="1">
+            <a:schemeClr val="accent1"/>
+          </a:fillRef>
+          <a:effectRef idx="0">
+            <a:schemeClr val="accent1"/>
+          </a:effectRef>
+          <a:fontRef idx="minor">
+            <a:schemeClr val="lt1"/>
+          </a:fontRef>
+        </p:style>
+        <p:txBody>
+          <a:bodyPr rtlCol="0" anchor="ctr"/>
+          <a:lstStyle/>
+          <a:p>
+            <a:pPr algn="ctr"/>
+            <a:endParaRPr lang="en-IN" sz="1000" dirty="0">
+              <a:latin typeface="Verdana" panose="020B0604030504040204" pitchFamily="34" charset="0"/>
+              <a:ea typeface="Verdana" panose="020B0604030504040204" pitchFamily="34" charset="0"/>
+            </a:endParaRPr>
+          </a:p>
+        </p:txBody>
+      </p:sp>
+      <p:sp>
+        <p:nvSpPr>
+          <p:cNvPr id="8" name="Footer Placeholder 7">
+            <a:extLst>
+              <a:ext uri="{FF2B5EF4-FFF2-40B4-BE49-F238E27FC236}">
+                <a16:creationId xmlns:a16="http://schemas.microsoft.com/office/drawing/2014/main" id="{DD2A19CA-EC18-432D-8F8F-17079808F38B}"/>
+              </a:ext>
+            </a:extLst>
+          </p:cNvPr>
+          <p:cNvSpPr>
+            <a:spLocks noGrp="1"/>
+          </p:cNvSpPr>
+          <p:nvPr>
+            <p:ph type="ftr" sz="quarter" idx="11"/>
+          </p:nvPr>
+        </p:nvSpPr>
+        <p:spPr>
+          <a:xfrm>
+            <a:off x="4038600" y="6427374"/>
+            <a:ext cx="4114800" cy="365125"/>
+          </a:xfrm>
+        </p:spPr>
+        <p:txBody>
+          <a:bodyPr/>
+          <a:lstStyle/>
+          <a:p>
+            <a:r>
+              <a:rPr lang="en-IN" b="1" dirty="0">
+                <a:solidFill>
+                  <a:srgbClr val="002060"/>
+                </a:solidFill>
+                <a:latin typeface="Verdana" panose="020B0604030504040204" pitchFamily="34" charset="0"/>
+                <a:ea typeface="Verdana" panose="020B0604030504040204" pitchFamily="34" charset="0"/>
+              </a:rPr>
+              <a:t>30-May-2020</a:t>
+            </a:r>
+          </a:p>
+        </p:txBody>
+      </p:sp>
+      <p:sp>
+        <p:nvSpPr>
+          <p:cNvPr id="9" name="Slide Number Placeholder 8">
+            <a:extLst>
+              <a:ext uri="{FF2B5EF4-FFF2-40B4-BE49-F238E27FC236}">
+                <a16:creationId xmlns:a16="http://schemas.microsoft.com/office/drawing/2014/main" id="{8162625C-0B1F-42E0-BE7C-D99A08FED7A3}"/>
+              </a:ext>
+            </a:extLst>
+          </p:cNvPr>
+          <p:cNvSpPr>
+            <a:spLocks noGrp="1"/>
+          </p:cNvSpPr>
+          <p:nvPr>
+            <p:ph type="sldNum" sz="quarter" idx="12"/>
+          </p:nvPr>
+        </p:nvSpPr>
+        <p:spPr>
+          <a:xfrm>
+            <a:off x="8610600" y="6427374"/>
+            <a:ext cx="2743200" cy="365125"/>
+          </a:xfrm>
+        </p:spPr>
+        <p:txBody>
+          <a:bodyPr/>
+          <a:lstStyle/>
+          <a:p>
+            <a:fld id="{30AF63FB-5233-4811-A918-B572E3A55817}" type="slidenum">
+              <a:rPr lang="en-IN" b="1" smtClean="0">
+                <a:solidFill>
+                  <a:srgbClr val="002060"/>
+                </a:solidFill>
+                <a:latin typeface="Verdana" panose="020B0604030504040204" pitchFamily="34" charset="0"/>
+                <a:ea typeface="Verdana" panose="020B0604030504040204" pitchFamily="34" charset="0"/>
+              </a:rPr>
+              <a:t>15</a:t>
+            </a:fld>
+            <a:endParaRPr lang="en-IN" b="1" dirty="0">
+              <a:solidFill>
+                <a:srgbClr val="002060"/>
+              </a:solidFill>
+              <a:latin typeface="Verdana" panose="020B0604030504040204" pitchFamily="34" charset="0"/>
+              <a:ea typeface="Verdana" panose="020B0604030504040204" pitchFamily="34" charset="0"/>
+            </a:endParaRPr>
+          </a:p>
+        </p:txBody>
+      </p:sp>
+      <p:sp>
+        <p:nvSpPr>
+          <p:cNvPr id="12" name="Footer Placeholder 7">
+            <a:extLst>
+              <a:ext uri="{FF2B5EF4-FFF2-40B4-BE49-F238E27FC236}">
+                <a16:creationId xmlns:a16="http://schemas.microsoft.com/office/drawing/2014/main" id="{64C57949-E349-47D3-A505-A098233AF49D}"/>
+              </a:ext>
+            </a:extLst>
+          </p:cNvPr>
+          <p:cNvSpPr txBox="1">
+            <a:spLocks/>
+          </p:cNvSpPr>
+          <p:nvPr/>
+        </p:nvSpPr>
+        <p:spPr>
+          <a:xfrm>
+            <a:off x="133897" y="6428848"/>
+            <a:ext cx="4114800" cy="365125"/>
+          </a:xfrm>
+          <a:prstGeom prst="rect">
+            <a:avLst/>
+          </a:prstGeom>
+        </p:spPr>
+        <p:txBody>
+          <a:bodyPr vert="horz" lIns="91440" tIns="45720" rIns="91440" bIns="45720" rtlCol="0" anchor="ctr"/>
+          <a:lstStyle>
+            <a:defPPr>
+              <a:defRPr lang="en-US"/>
+            </a:defPPr>
+            <a:lvl1pPr marL="0" algn="ctr" defTabSz="914400" rtl="0" eaLnBrk="1" latinLnBrk="0" hangingPunct="1">
+              <a:defRPr sz="1200" kern="1200">
+                <a:solidFill>
+                  <a:schemeClr val="tx1">
+                    <a:tint val="75000"/>
+                  </a:schemeClr>
+                </a:solidFill>
+                <a:latin typeface="+mn-lt"/>
+                <a:ea typeface="+mn-ea"/>
+                <a:cs typeface="+mn-cs"/>
+              </a:defRPr>
+            </a:lvl1pPr>
+            <a:lvl2pPr marL="457200" algn="l" defTabSz="914400" rtl="0" eaLnBrk="1" latinLnBrk="0" hangingPunct="1">
+              <a:defRPr sz="1800" kern="1200">
+                <a:solidFill>
+                  <a:schemeClr val="tx1"/>
+                </a:solidFill>
+                <a:latin typeface="+mn-lt"/>
+                <a:ea typeface="+mn-ea"/>
+                <a:cs typeface="+mn-cs"/>
+              </a:defRPr>
+            </a:lvl2pPr>
+            <a:lvl3pPr marL="914400" algn="l" defTabSz="914400" rtl="0" eaLnBrk="1" latinLnBrk="0" hangingPunct="1">
+              <a:defRPr sz="1800" kern="1200">
+                <a:solidFill>
+                  <a:schemeClr val="tx1"/>
+                </a:solidFill>
+                <a:latin typeface="+mn-lt"/>
+                <a:ea typeface="+mn-ea"/>
+                <a:cs typeface="+mn-cs"/>
+              </a:defRPr>
+            </a:lvl3pPr>
+            <a:lvl4pPr marL="1371600" algn="l" defTabSz="914400" rtl="0" eaLnBrk="1" latinLnBrk="0" hangingPunct="1">
+              <a:defRPr sz="1800" kern="1200">
+                <a:solidFill>
+                  <a:schemeClr val="tx1"/>
+                </a:solidFill>
+                <a:latin typeface="+mn-lt"/>
+                <a:ea typeface="+mn-ea"/>
+                <a:cs typeface="+mn-cs"/>
+              </a:defRPr>
+            </a:lvl4pPr>
+            <a:lvl5pPr marL="1828800" algn="l" defTabSz="914400" rtl="0" eaLnBrk="1" latinLnBrk="0" hangingPunct="1">
+              <a:defRPr sz="1800" kern="1200">
+                <a:solidFill>
+                  <a:schemeClr val="tx1"/>
+                </a:solidFill>
+                <a:latin typeface="+mn-lt"/>
+                <a:ea typeface="+mn-ea"/>
+                <a:cs typeface="+mn-cs"/>
+              </a:defRPr>
+            </a:lvl5pPr>
+            <a:lvl6pPr marL="2286000" algn="l" defTabSz="914400" rtl="0" eaLnBrk="1" latinLnBrk="0" hangingPunct="1">
+              <a:defRPr sz="1800" kern="1200">
+                <a:solidFill>
+                  <a:schemeClr val="tx1"/>
+                </a:solidFill>
+                <a:latin typeface="+mn-lt"/>
+                <a:ea typeface="+mn-ea"/>
+                <a:cs typeface="+mn-cs"/>
+              </a:defRPr>
+            </a:lvl6pPr>
+            <a:lvl7pPr marL="2743200" algn="l" defTabSz="914400" rtl="0" eaLnBrk="1" latinLnBrk="0" hangingPunct="1">
+              <a:defRPr sz="1800" kern="1200">
+                <a:solidFill>
+                  <a:schemeClr val="tx1"/>
+                </a:solidFill>
+                <a:latin typeface="+mn-lt"/>
+                <a:ea typeface="+mn-ea"/>
+                <a:cs typeface="+mn-cs"/>
+              </a:defRPr>
+            </a:lvl7pPr>
+            <a:lvl8pPr marL="3200400" algn="l" defTabSz="914400" rtl="0" eaLnBrk="1" latinLnBrk="0" hangingPunct="1">
+              <a:defRPr sz="1800" kern="1200">
+                <a:solidFill>
+                  <a:schemeClr val="tx1"/>
+                </a:solidFill>
+                <a:latin typeface="+mn-lt"/>
+                <a:ea typeface="+mn-ea"/>
+                <a:cs typeface="+mn-cs"/>
+              </a:defRPr>
+            </a:lvl8pPr>
+            <a:lvl9pPr marL="3657600" algn="l" defTabSz="914400" rtl="0" eaLnBrk="1" latinLnBrk="0" hangingPunct="1">
+              <a:defRPr sz="1800" kern="1200">
+                <a:solidFill>
+                  <a:schemeClr val="tx1"/>
+                </a:solidFill>
+                <a:latin typeface="+mn-lt"/>
+                <a:ea typeface="+mn-ea"/>
+                <a:cs typeface="+mn-cs"/>
+              </a:defRPr>
+            </a:lvl9pPr>
+          </a:lstStyle>
+          <a:p>
+            <a:r>
+              <a:rPr lang="en-IN" b="1" dirty="0">
+                <a:solidFill>
+                  <a:srgbClr val="002060"/>
+                </a:solidFill>
+                <a:latin typeface="Verdana" panose="020B0604030504040204" pitchFamily="34" charset="0"/>
+                <a:ea typeface="Verdana" panose="020B0604030504040204" pitchFamily="34" charset="0"/>
+              </a:rPr>
+              <a:t>C# Corner</a:t>
+            </a:r>
+          </a:p>
+        </p:txBody>
+      </p:sp>
+      <p:sp>
+        <p:nvSpPr>
+          <p:cNvPr id="13" name="TextBox 12">
+            <a:extLst>
+              <a:ext uri="{FF2B5EF4-FFF2-40B4-BE49-F238E27FC236}">
+                <a16:creationId xmlns:a16="http://schemas.microsoft.com/office/drawing/2014/main" id="{C93F71B2-BF87-46E1-B2C0-A074AD4881C2}"/>
+              </a:ext>
+            </a:extLst>
+          </p:cNvPr>
+          <p:cNvSpPr txBox="1"/>
+          <p:nvPr/>
+        </p:nvSpPr>
+        <p:spPr>
+          <a:xfrm>
+            <a:off x="80629" y="1898354"/>
+            <a:ext cx="12037390" cy="3415615"/>
+          </a:xfrm>
+          <a:prstGeom prst="rect">
+            <a:avLst/>
+          </a:prstGeom>
+          <a:noFill/>
+        </p:spPr>
+        <p:txBody>
+          <a:bodyPr wrap="square" rtlCol="0">
+            <a:spAutoFit/>
+          </a:bodyPr>
+          <a:lstStyle/>
+          <a:p>
+            <a:pPr>
+              <a:lnSpc>
+                <a:spcPct val="200000"/>
+              </a:lnSpc>
+            </a:pPr>
+            <a:r>
+              <a:rPr lang="en-US" sz="2000" dirty="0">
+                <a:solidFill>
+                  <a:srgbClr val="002060"/>
+                </a:solidFill>
+                <a:latin typeface="Verdana" panose="020B0604030504040204" pitchFamily="34" charset="0"/>
+                <a:ea typeface="Verdana" panose="020B0604030504040204" pitchFamily="34" charset="0"/>
+              </a:rPr>
+              <a:t>What we will discuss in next session ….</a:t>
+            </a:r>
+          </a:p>
+          <a:p>
+            <a:pPr marL="628650" lvl="1" indent="-171450">
+              <a:lnSpc>
+                <a:spcPct val="150000"/>
+              </a:lnSpc>
+              <a:buFont typeface="Wingdings" panose="05000000000000000000" pitchFamily="2" charset="2"/>
+              <a:buChar char="Ø"/>
+            </a:pPr>
+            <a:r>
+              <a:rPr lang="en-US" sz="2000" dirty="0">
+                <a:solidFill>
+                  <a:srgbClr val="002060"/>
+                </a:solidFill>
+                <a:latin typeface="Verdana" panose="020B0604030504040204" pitchFamily="34" charset="0"/>
+                <a:ea typeface="Verdana" panose="020B0604030504040204" pitchFamily="34" charset="0"/>
+              </a:rPr>
+              <a:t> Improvising the Project into Layers.</a:t>
+            </a:r>
+          </a:p>
+          <a:p>
+            <a:pPr marL="628650" lvl="1" indent="-171450">
+              <a:lnSpc>
+                <a:spcPct val="150000"/>
+              </a:lnSpc>
+              <a:buFont typeface="Wingdings" panose="05000000000000000000" pitchFamily="2" charset="2"/>
+              <a:buChar char="Ø"/>
+            </a:pPr>
+            <a:r>
+              <a:rPr lang="en-US" sz="2000" dirty="0">
+                <a:solidFill>
+                  <a:srgbClr val="002060"/>
+                </a:solidFill>
+                <a:latin typeface="Verdana" panose="020B0604030504040204" pitchFamily="34" charset="0"/>
+                <a:ea typeface="Verdana" panose="020B0604030504040204" pitchFamily="34" charset="0"/>
+              </a:rPr>
+              <a:t> Add, Edit, Delete methods added to Web API</a:t>
+            </a:r>
+          </a:p>
+          <a:p>
+            <a:pPr marL="628650" lvl="1" indent="-171450">
+              <a:lnSpc>
+                <a:spcPct val="150000"/>
+              </a:lnSpc>
+              <a:buFont typeface="Wingdings" panose="05000000000000000000" pitchFamily="2" charset="2"/>
+              <a:buChar char="Ø"/>
+            </a:pPr>
+            <a:r>
+              <a:rPr lang="en-US" sz="2000" dirty="0">
+                <a:solidFill>
+                  <a:srgbClr val="002060"/>
+                </a:solidFill>
+                <a:latin typeface="Verdana" panose="020B0604030504040204" pitchFamily="34" charset="0"/>
+                <a:ea typeface="Verdana" panose="020B0604030504040204" pitchFamily="34" charset="0"/>
+              </a:rPr>
+              <a:t> Invalidate the Cache when Add/Edit/Delete.</a:t>
+            </a:r>
+          </a:p>
+          <a:p>
+            <a:pPr marL="628650" lvl="1" indent="-171450">
+              <a:lnSpc>
+                <a:spcPct val="150000"/>
+              </a:lnSpc>
+              <a:buFont typeface="Wingdings" panose="05000000000000000000" pitchFamily="2" charset="2"/>
+              <a:buChar char="Ø"/>
+            </a:pPr>
+            <a:r>
+              <a:rPr lang="en-US" sz="2000" dirty="0">
+                <a:solidFill>
+                  <a:srgbClr val="002060"/>
+                </a:solidFill>
+                <a:latin typeface="Verdana" panose="020B0604030504040204" pitchFamily="34" charset="0"/>
+                <a:ea typeface="Verdana" panose="020B0604030504040204" pitchFamily="34" charset="0"/>
+              </a:rPr>
+              <a:t> Updating the Angular UI to accommodate Add/Edit/Delete.</a:t>
+            </a:r>
+          </a:p>
+          <a:p>
+            <a:pPr marL="628650" lvl="1" indent="-171450">
+              <a:lnSpc>
+                <a:spcPct val="150000"/>
+              </a:lnSpc>
+              <a:buFont typeface="Wingdings" panose="05000000000000000000" pitchFamily="2" charset="2"/>
+              <a:buChar char="Ø"/>
+            </a:pPr>
+            <a:r>
+              <a:rPr lang="en-US" sz="2000" dirty="0">
+                <a:solidFill>
+                  <a:srgbClr val="002060"/>
+                </a:solidFill>
+                <a:latin typeface="Verdana" panose="020B0604030504040204" pitchFamily="34" charset="0"/>
+                <a:ea typeface="Verdana" panose="020B0604030504040204" pitchFamily="34" charset="0"/>
+              </a:rPr>
+              <a:t> Using the Redis Cache from Azure.</a:t>
+            </a:r>
+          </a:p>
+          <a:p>
+            <a:pPr marL="628650" lvl="1" indent="-171450">
+              <a:lnSpc>
+                <a:spcPct val="150000"/>
+              </a:lnSpc>
+              <a:buFont typeface="Wingdings" panose="05000000000000000000" pitchFamily="2" charset="2"/>
+              <a:buChar char="Ø"/>
+            </a:pPr>
+            <a:r>
+              <a:rPr lang="en-US" sz="2000" dirty="0">
+                <a:solidFill>
+                  <a:srgbClr val="002060"/>
+                </a:solidFill>
+                <a:latin typeface="Verdana" panose="020B0604030504040204" pitchFamily="34" charset="0"/>
+                <a:ea typeface="Verdana" panose="020B0604030504040204" pitchFamily="34" charset="0"/>
+              </a:rPr>
+              <a:t> Using the SQL Server from Azure.</a:t>
+            </a:r>
+          </a:p>
+        </p:txBody>
+      </p:sp>
+      <p:sp>
+        <p:nvSpPr>
+          <p:cNvPr id="5" name="Rectangle 4">
+            <a:extLst>
+              <a:ext uri="{FF2B5EF4-FFF2-40B4-BE49-F238E27FC236}">
+                <a16:creationId xmlns:a16="http://schemas.microsoft.com/office/drawing/2014/main" id="{11B56C48-04D4-42D7-A892-61E969B93239}"/>
+              </a:ext>
+            </a:extLst>
+          </p:cNvPr>
+          <p:cNvSpPr/>
+          <p:nvPr/>
+        </p:nvSpPr>
+        <p:spPr>
+          <a:xfrm>
+            <a:off x="2794573" y="829156"/>
+            <a:ext cx="6609502" cy="923330"/>
+          </a:xfrm>
+          <a:prstGeom prst="rect">
+            <a:avLst/>
+          </a:prstGeom>
+          <a:noFill/>
+        </p:spPr>
+        <p:txBody>
+          <a:bodyPr wrap="none" lIns="91440" tIns="45720" rIns="91440" bIns="45720">
+            <a:spAutoFit/>
+            <a:scene3d>
+              <a:camera prst="orthographicFront"/>
+              <a:lightRig rig="soft" dir="t">
+                <a:rot lat="0" lon="0" rev="15600000"/>
+              </a:lightRig>
+            </a:scene3d>
+            <a:sp3d extrusionH="57150" prstMaterial="softEdge">
+              <a:bevelT w="25400" h="38100"/>
+            </a:sp3d>
+          </a:bodyPr>
+          <a:lstStyle/>
+          <a:p>
+            <a:pPr algn="ctr"/>
+            <a:r>
+              <a:rPr lang="en-US" sz="5400" b="1" cap="none" spc="0" dirty="0">
+                <a:ln/>
+                <a:solidFill>
+                  <a:schemeClr val="accent4"/>
+                </a:solidFill>
+                <a:effectLst/>
+                <a:latin typeface="Verdana" panose="020B0604030504040204" pitchFamily="34" charset="0"/>
+                <a:ea typeface="Verdana" panose="020B0604030504040204" pitchFamily="34" charset="0"/>
+              </a:rPr>
+              <a:t>What is next ???</a:t>
+            </a:r>
+            <a:endParaRPr lang="en-IN" sz="5400" b="1" cap="none" spc="0" dirty="0">
+              <a:ln/>
+              <a:solidFill>
+                <a:schemeClr val="accent4"/>
+              </a:solidFill>
+              <a:effectLst/>
+              <a:latin typeface="Verdana" panose="020B0604030504040204" pitchFamily="34" charset="0"/>
+              <a:ea typeface="Verdana" panose="020B0604030504040204" pitchFamily="34" charset="0"/>
+            </a:endParaRPr>
+          </a:p>
+        </p:txBody>
+      </p:sp>
+    </p:spTree>
+    <p:extLst>
+      <p:ext uri="{BB962C8B-B14F-4D97-AF65-F5344CB8AC3E}">
+        <p14:creationId xmlns:p14="http://schemas.microsoft.com/office/powerpoint/2010/main" val="3499439994"/>
+      </p:ext>
+    </p:extLst>
+  </p:cSld>
+  <p:clrMapOvr>
+    <a:masterClrMapping/>
+  </p:clrMapOvr>
+</p:sld>
+</file>
+
+<file path=ppt/slides/slide16.xml><?xml version="1.0" encoding="utf-8"?>
+<p:sld xmlns:a="http://schemas.openxmlformats.org/drawingml/2006/main" xmlns:r="http://schemas.openxmlformats.org/officeDocument/2006/relationships" xmlns:p="http://schemas.openxmlformats.org/presentationml/2006/main">
+  <p:cSld>
+    <p:spTree>
+      <p:nvGrpSpPr>
+        <p:cNvPr id="1" name=""/>
+        <p:cNvGrpSpPr/>
+        <p:nvPr/>
+      </p:nvGrpSpPr>
+      <p:grpSpPr>
+        <a:xfrm>
+          <a:off x="0" y="0"/>
+          <a:ext cx="0" cy="0"/>
+          <a:chOff x="0" y="0"/>
+          <a:chExt cx="0" cy="0"/>
+        </a:xfrm>
+      </p:grpSpPr>
+      <p:sp>
+        <p:nvSpPr>
+          <p:cNvPr id="4" name="Rectangle 3">
+            <a:extLst>
+              <a:ext uri="{FF2B5EF4-FFF2-40B4-BE49-F238E27FC236}">
+                <a16:creationId xmlns:a16="http://schemas.microsoft.com/office/drawing/2014/main" id="{055C22F7-3FD1-4C1B-8D0C-0C2F7FB61DBE}"/>
+              </a:ext>
+            </a:extLst>
+          </p:cNvPr>
+          <p:cNvSpPr/>
+          <p:nvPr/>
+        </p:nvSpPr>
+        <p:spPr>
+          <a:xfrm>
+            <a:off x="0" y="8878"/>
+            <a:ext cx="12183122" cy="497150"/>
+          </a:xfrm>
+          <a:prstGeom prst="rect">
+            <a:avLst/>
+          </a:prstGeom>
+          <a:solidFill>
+            <a:srgbClr val="0070C0"/>
+          </a:solidFill>
+        </p:spPr>
+        <p:style>
+          <a:lnRef idx="2">
+            <a:schemeClr val="accent1">
+              <a:shade val="50000"/>
+            </a:schemeClr>
+          </a:lnRef>
+          <a:fillRef idx="1">
+            <a:schemeClr val="accent1"/>
+          </a:fillRef>
+          <a:effectRef idx="0">
+            <a:schemeClr val="accent1"/>
+          </a:effectRef>
+          <a:fontRef idx="minor">
+            <a:schemeClr val="lt1"/>
+          </a:fontRef>
+        </p:style>
+        <p:txBody>
+          <a:bodyPr rtlCol="0" anchor="ctr"/>
+          <a:lstStyle/>
+          <a:p>
+            <a:pPr algn="ctr"/>
+            <a:endParaRPr lang="en-IN" dirty="0">
+              <a:latin typeface="Verdana" panose="020B0604030504040204" pitchFamily="34" charset="0"/>
+              <a:ea typeface="Verdana" panose="020B0604030504040204" pitchFamily="34" charset="0"/>
+            </a:endParaRPr>
+          </a:p>
+        </p:txBody>
+      </p:sp>
+      <p:sp>
+        <p:nvSpPr>
+          <p:cNvPr id="7" name="Rectangle 6">
+            <a:extLst>
+              <a:ext uri="{FF2B5EF4-FFF2-40B4-BE49-F238E27FC236}">
+                <a16:creationId xmlns:a16="http://schemas.microsoft.com/office/drawing/2014/main" id="{B10720DE-FD2A-4FE5-B9FB-74854D01A659}"/>
+              </a:ext>
+            </a:extLst>
+          </p:cNvPr>
+          <p:cNvSpPr/>
+          <p:nvPr/>
+        </p:nvSpPr>
+        <p:spPr>
+          <a:xfrm>
+            <a:off x="0" y="6383046"/>
+            <a:ext cx="12183122" cy="57703"/>
+          </a:xfrm>
+          <a:prstGeom prst="rect">
+            <a:avLst/>
+          </a:prstGeom>
+          <a:solidFill>
+            <a:srgbClr val="0070C0"/>
+          </a:solidFill>
+        </p:spPr>
+        <p:style>
+          <a:lnRef idx="2">
+            <a:schemeClr val="accent1">
+              <a:shade val="50000"/>
+            </a:schemeClr>
+          </a:lnRef>
+          <a:fillRef idx="1">
+            <a:schemeClr val="accent1"/>
+          </a:fillRef>
+          <a:effectRef idx="0">
+            <a:schemeClr val="accent1"/>
+          </a:effectRef>
+          <a:fontRef idx="minor">
+            <a:schemeClr val="lt1"/>
+          </a:fontRef>
+        </p:style>
+        <p:txBody>
+          <a:bodyPr rtlCol="0" anchor="ctr"/>
+          <a:lstStyle/>
+          <a:p>
+            <a:pPr algn="ctr"/>
+            <a:endParaRPr lang="en-IN" sz="1000" dirty="0">
+              <a:latin typeface="Verdana" panose="020B0604030504040204" pitchFamily="34" charset="0"/>
+              <a:ea typeface="Verdana" panose="020B0604030504040204" pitchFamily="34" charset="0"/>
+            </a:endParaRPr>
+          </a:p>
+        </p:txBody>
+      </p:sp>
+      <p:sp>
+        <p:nvSpPr>
+          <p:cNvPr id="8" name="Footer Placeholder 7">
+            <a:extLst>
+              <a:ext uri="{FF2B5EF4-FFF2-40B4-BE49-F238E27FC236}">
+                <a16:creationId xmlns:a16="http://schemas.microsoft.com/office/drawing/2014/main" id="{DD2A19CA-EC18-432D-8F8F-17079808F38B}"/>
+              </a:ext>
+            </a:extLst>
+          </p:cNvPr>
+          <p:cNvSpPr>
+            <a:spLocks noGrp="1"/>
+          </p:cNvSpPr>
+          <p:nvPr>
+            <p:ph type="ftr" sz="quarter" idx="11"/>
+          </p:nvPr>
+        </p:nvSpPr>
+        <p:spPr>
+          <a:xfrm>
+            <a:off x="4038600" y="6427374"/>
+            <a:ext cx="4114800" cy="365125"/>
+          </a:xfrm>
+        </p:spPr>
+        <p:txBody>
+          <a:bodyPr/>
+          <a:lstStyle/>
+          <a:p>
+            <a:r>
+              <a:rPr lang="en-IN" b="1" dirty="0">
+                <a:solidFill>
+                  <a:srgbClr val="002060"/>
+                </a:solidFill>
+                <a:latin typeface="Verdana" panose="020B0604030504040204" pitchFamily="34" charset="0"/>
+                <a:ea typeface="Verdana" panose="020B0604030504040204" pitchFamily="34" charset="0"/>
+              </a:rPr>
+              <a:t>30-May-2020</a:t>
+            </a:r>
+          </a:p>
+        </p:txBody>
+      </p:sp>
+      <p:sp>
+        <p:nvSpPr>
+          <p:cNvPr id="9" name="Slide Number Placeholder 8">
+            <a:extLst>
+              <a:ext uri="{FF2B5EF4-FFF2-40B4-BE49-F238E27FC236}">
+                <a16:creationId xmlns:a16="http://schemas.microsoft.com/office/drawing/2014/main" id="{8162625C-0B1F-42E0-BE7C-D99A08FED7A3}"/>
+              </a:ext>
+            </a:extLst>
+          </p:cNvPr>
+          <p:cNvSpPr>
+            <a:spLocks noGrp="1"/>
+          </p:cNvSpPr>
+          <p:nvPr>
+            <p:ph type="sldNum" sz="quarter" idx="12"/>
+          </p:nvPr>
+        </p:nvSpPr>
+        <p:spPr>
+          <a:xfrm>
+            <a:off x="8610600" y="6427374"/>
+            <a:ext cx="2743200" cy="365125"/>
+          </a:xfrm>
+        </p:spPr>
+        <p:txBody>
+          <a:bodyPr/>
+          <a:lstStyle/>
+          <a:p>
+            <a:fld id="{30AF63FB-5233-4811-A918-B572E3A55817}" type="slidenum">
+              <a:rPr lang="en-IN" b="1" smtClean="0">
+                <a:solidFill>
+                  <a:srgbClr val="002060"/>
+                </a:solidFill>
+                <a:latin typeface="Verdana" panose="020B0604030504040204" pitchFamily="34" charset="0"/>
+                <a:ea typeface="Verdana" panose="020B0604030504040204" pitchFamily="34" charset="0"/>
+              </a:rPr>
+              <a:t>16</a:t>
+            </a:fld>
+            <a:endParaRPr lang="en-IN" b="1" dirty="0">
+              <a:solidFill>
+                <a:srgbClr val="002060"/>
+              </a:solidFill>
+              <a:latin typeface="Verdana" panose="020B0604030504040204" pitchFamily="34" charset="0"/>
+              <a:ea typeface="Verdana" panose="020B0604030504040204" pitchFamily="34" charset="0"/>
+            </a:endParaRPr>
+          </a:p>
+        </p:txBody>
+      </p:sp>
+      <p:sp>
+        <p:nvSpPr>
+          <p:cNvPr id="12" name="Footer Placeholder 7">
+            <a:extLst>
+              <a:ext uri="{FF2B5EF4-FFF2-40B4-BE49-F238E27FC236}">
+                <a16:creationId xmlns:a16="http://schemas.microsoft.com/office/drawing/2014/main" id="{64C57949-E349-47D3-A505-A098233AF49D}"/>
+              </a:ext>
+            </a:extLst>
+          </p:cNvPr>
+          <p:cNvSpPr txBox="1">
+            <a:spLocks/>
+          </p:cNvSpPr>
+          <p:nvPr/>
+        </p:nvSpPr>
+        <p:spPr>
+          <a:xfrm>
+            <a:off x="133897" y="6428848"/>
+            <a:ext cx="4114800" cy="365125"/>
+          </a:xfrm>
+          <a:prstGeom prst="rect">
+            <a:avLst/>
+          </a:prstGeom>
+        </p:spPr>
+        <p:txBody>
+          <a:bodyPr vert="horz" lIns="91440" tIns="45720" rIns="91440" bIns="45720" rtlCol="0" anchor="ctr"/>
+          <a:lstStyle>
+            <a:defPPr>
+              <a:defRPr lang="en-US"/>
+            </a:defPPr>
+            <a:lvl1pPr marL="0" algn="ctr" defTabSz="914400" rtl="0" eaLnBrk="1" latinLnBrk="0" hangingPunct="1">
+              <a:defRPr sz="1200" kern="1200">
+                <a:solidFill>
+                  <a:schemeClr val="tx1">
+                    <a:tint val="75000"/>
+                  </a:schemeClr>
+                </a:solidFill>
+                <a:latin typeface="+mn-lt"/>
+                <a:ea typeface="+mn-ea"/>
+                <a:cs typeface="+mn-cs"/>
+              </a:defRPr>
+            </a:lvl1pPr>
+            <a:lvl2pPr marL="457200" algn="l" defTabSz="914400" rtl="0" eaLnBrk="1" latinLnBrk="0" hangingPunct="1">
+              <a:defRPr sz="1800" kern="1200">
+                <a:solidFill>
+                  <a:schemeClr val="tx1"/>
+                </a:solidFill>
+                <a:latin typeface="+mn-lt"/>
+                <a:ea typeface="+mn-ea"/>
+                <a:cs typeface="+mn-cs"/>
+              </a:defRPr>
+            </a:lvl2pPr>
+            <a:lvl3pPr marL="914400" algn="l" defTabSz="914400" rtl="0" eaLnBrk="1" latinLnBrk="0" hangingPunct="1">
+              <a:defRPr sz="1800" kern="1200">
+                <a:solidFill>
+                  <a:schemeClr val="tx1"/>
+                </a:solidFill>
+                <a:latin typeface="+mn-lt"/>
+                <a:ea typeface="+mn-ea"/>
+                <a:cs typeface="+mn-cs"/>
+              </a:defRPr>
+            </a:lvl3pPr>
+            <a:lvl4pPr marL="1371600" algn="l" defTabSz="914400" rtl="0" eaLnBrk="1" latinLnBrk="0" hangingPunct="1">
+              <a:defRPr sz="1800" kern="1200">
+                <a:solidFill>
+                  <a:schemeClr val="tx1"/>
+                </a:solidFill>
+                <a:latin typeface="+mn-lt"/>
+                <a:ea typeface="+mn-ea"/>
+                <a:cs typeface="+mn-cs"/>
+              </a:defRPr>
+            </a:lvl4pPr>
+            <a:lvl5pPr marL="1828800" algn="l" defTabSz="914400" rtl="0" eaLnBrk="1" latinLnBrk="0" hangingPunct="1">
+              <a:defRPr sz="1800" kern="1200">
+                <a:solidFill>
+                  <a:schemeClr val="tx1"/>
+                </a:solidFill>
+                <a:latin typeface="+mn-lt"/>
+                <a:ea typeface="+mn-ea"/>
+                <a:cs typeface="+mn-cs"/>
+              </a:defRPr>
+            </a:lvl5pPr>
+            <a:lvl6pPr marL="2286000" algn="l" defTabSz="914400" rtl="0" eaLnBrk="1" latinLnBrk="0" hangingPunct="1">
+              <a:defRPr sz="1800" kern="1200">
+                <a:solidFill>
+                  <a:schemeClr val="tx1"/>
+                </a:solidFill>
+                <a:latin typeface="+mn-lt"/>
+                <a:ea typeface="+mn-ea"/>
+                <a:cs typeface="+mn-cs"/>
+              </a:defRPr>
+            </a:lvl6pPr>
+            <a:lvl7pPr marL="2743200" algn="l" defTabSz="914400" rtl="0" eaLnBrk="1" latinLnBrk="0" hangingPunct="1">
+              <a:defRPr sz="1800" kern="1200">
+                <a:solidFill>
+                  <a:schemeClr val="tx1"/>
+                </a:solidFill>
+                <a:latin typeface="+mn-lt"/>
+                <a:ea typeface="+mn-ea"/>
+                <a:cs typeface="+mn-cs"/>
+              </a:defRPr>
+            </a:lvl7pPr>
+            <a:lvl8pPr marL="3200400" algn="l" defTabSz="914400" rtl="0" eaLnBrk="1" latinLnBrk="0" hangingPunct="1">
+              <a:defRPr sz="1800" kern="1200">
+                <a:solidFill>
+                  <a:schemeClr val="tx1"/>
+                </a:solidFill>
+                <a:latin typeface="+mn-lt"/>
+                <a:ea typeface="+mn-ea"/>
+                <a:cs typeface="+mn-cs"/>
+              </a:defRPr>
+            </a:lvl8pPr>
+            <a:lvl9pPr marL="3657600" algn="l" defTabSz="914400" rtl="0" eaLnBrk="1" latinLnBrk="0" hangingPunct="1">
+              <a:defRPr sz="1800" kern="1200">
+                <a:solidFill>
+                  <a:schemeClr val="tx1"/>
+                </a:solidFill>
+                <a:latin typeface="+mn-lt"/>
+                <a:ea typeface="+mn-ea"/>
+                <a:cs typeface="+mn-cs"/>
+              </a:defRPr>
+            </a:lvl9pPr>
+          </a:lstStyle>
+          <a:p>
+            <a:r>
+              <a:rPr lang="en-IN" b="1" dirty="0">
+                <a:solidFill>
+                  <a:srgbClr val="002060"/>
+                </a:solidFill>
+                <a:latin typeface="Verdana" panose="020B0604030504040204" pitchFamily="34" charset="0"/>
+                <a:ea typeface="Verdana" panose="020B0604030504040204" pitchFamily="34" charset="0"/>
+              </a:rPr>
+              <a:t>C# Corner</a:t>
+            </a:r>
+          </a:p>
+        </p:txBody>
+      </p:sp>
+      <p:sp>
+        <p:nvSpPr>
+          <p:cNvPr id="11" name="Rectangle 10">
+            <a:extLst>
+              <a:ext uri="{FF2B5EF4-FFF2-40B4-BE49-F238E27FC236}">
+                <a16:creationId xmlns:a16="http://schemas.microsoft.com/office/drawing/2014/main" id="{D55098C6-1198-4DAB-B484-23DB1A599453}"/>
+              </a:ext>
+            </a:extLst>
+          </p:cNvPr>
+          <p:cNvSpPr/>
+          <p:nvPr/>
+        </p:nvSpPr>
+        <p:spPr>
+          <a:xfrm>
+            <a:off x="2816470" y="1919767"/>
+            <a:ext cx="6434775" cy="3154710"/>
+          </a:xfrm>
+          <a:prstGeom prst="rect">
+            <a:avLst/>
+          </a:prstGeom>
+          <a:noFill/>
+        </p:spPr>
+        <p:txBody>
+          <a:bodyPr wrap="none" lIns="91440" tIns="45720" rIns="91440" bIns="45720">
+            <a:spAutoFit/>
+          </a:bodyPr>
+          <a:lstStyle/>
+          <a:p>
+            <a:pPr algn="ctr"/>
+            <a:r>
+              <a:rPr lang="en-US" sz="19900" b="1" cap="none" spc="0" dirty="0">
+                <a:ln w="9525">
+                  <a:solidFill>
+                    <a:schemeClr val="bg1"/>
+                  </a:solidFill>
+                  <a:prstDash val="solid"/>
+                </a:ln>
+                <a:solidFill>
+                  <a:schemeClr val="accent5"/>
+                </a:solidFill>
+                <a:effectLst>
+                  <a:outerShdw blurRad="12700" dist="38100" dir="2700000" algn="tl" rotWithShape="0">
+                    <a:schemeClr val="accent5">
+                      <a:lumMod val="60000"/>
+                      <a:lumOff val="40000"/>
+                    </a:schemeClr>
+                  </a:outerShdw>
+                </a:effectLst>
+              </a:rPr>
+              <a:t>Q &amp; A</a:t>
+            </a:r>
+          </a:p>
+        </p:txBody>
+      </p:sp>
+    </p:spTree>
+    <p:extLst>
+      <p:ext uri="{BB962C8B-B14F-4D97-AF65-F5344CB8AC3E}">
+        <p14:creationId xmlns:p14="http://schemas.microsoft.com/office/powerpoint/2010/main" val="2536284009"/>
+      </p:ext>
+    </p:extLst>
+  </p:cSld>
+  <p:clrMapOvr>
+    <a:masterClrMapping/>
+  </p:clrMapOvr>
+</p:sld>
+</file>
+
+<file path=ppt/slides/slide17.xml><?xml version="1.0" encoding="utf-8"?>
+<p:sld xmlns:a="http://schemas.openxmlformats.org/drawingml/2006/main" xmlns:r="http://schemas.openxmlformats.org/officeDocument/2006/relationships" xmlns:p="http://schemas.openxmlformats.org/presentationml/2006/main">
+  <p:cSld>
+    <p:spTree>
+      <p:nvGrpSpPr>
+        <p:cNvPr id="1" name=""/>
+        <p:cNvGrpSpPr/>
+        <p:nvPr/>
+      </p:nvGrpSpPr>
+      <p:grpSpPr>
+        <a:xfrm>
+          <a:off x="0" y="0"/>
+          <a:ext cx="0" cy="0"/>
+          <a:chOff x="0" y="0"/>
+          <a:chExt cx="0" cy="0"/>
+        </a:xfrm>
+      </p:grpSpPr>
+      <p:sp>
+        <p:nvSpPr>
+          <p:cNvPr id="4" name="Rectangle 3">
+            <a:extLst>
+              <a:ext uri="{FF2B5EF4-FFF2-40B4-BE49-F238E27FC236}">
+                <a16:creationId xmlns:a16="http://schemas.microsoft.com/office/drawing/2014/main" id="{055C22F7-3FD1-4C1B-8D0C-0C2F7FB61DBE}"/>
+              </a:ext>
+            </a:extLst>
+          </p:cNvPr>
+          <p:cNvSpPr/>
+          <p:nvPr/>
+        </p:nvSpPr>
+        <p:spPr>
+          <a:xfrm>
+            <a:off x="0" y="8878"/>
+            <a:ext cx="12183122" cy="497150"/>
+          </a:xfrm>
+          <a:prstGeom prst="rect">
+            <a:avLst/>
+          </a:prstGeom>
+          <a:solidFill>
+            <a:srgbClr val="0070C0"/>
+          </a:solidFill>
+        </p:spPr>
+        <p:style>
+          <a:lnRef idx="2">
+            <a:schemeClr val="accent1">
+              <a:shade val="50000"/>
+            </a:schemeClr>
+          </a:lnRef>
+          <a:fillRef idx="1">
+            <a:schemeClr val="accent1"/>
+          </a:fillRef>
+          <a:effectRef idx="0">
+            <a:schemeClr val="accent1"/>
+          </a:effectRef>
+          <a:fontRef idx="minor">
+            <a:schemeClr val="lt1"/>
+          </a:fontRef>
+        </p:style>
+        <p:txBody>
+          <a:bodyPr rtlCol="0" anchor="ctr"/>
+          <a:lstStyle/>
+          <a:p>
+            <a:pPr algn="ctr"/>
+            <a:endParaRPr lang="en-IN" dirty="0">
+              <a:latin typeface="Verdana" panose="020B0604030504040204" pitchFamily="34" charset="0"/>
+              <a:ea typeface="Verdana" panose="020B0604030504040204" pitchFamily="34" charset="0"/>
+            </a:endParaRPr>
+          </a:p>
+        </p:txBody>
+      </p:sp>
+      <p:sp>
+        <p:nvSpPr>
+          <p:cNvPr id="7" name="Rectangle 6">
+            <a:extLst>
+              <a:ext uri="{FF2B5EF4-FFF2-40B4-BE49-F238E27FC236}">
+                <a16:creationId xmlns:a16="http://schemas.microsoft.com/office/drawing/2014/main" id="{B10720DE-FD2A-4FE5-B9FB-74854D01A659}"/>
+              </a:ext>
+            </a:extLst>
+          </p:cNvPr>
+          <p:cNvSpPr/>
+          <p:nvPr/>
+        </p:nvSpPr>
+        <p:spPr>
+          <a:xfrm>
+            <a:off x="0" y="6383046"/>
+            <a:ext cx="12183122" cy="57703"/>
+          </a:xfrm>
+          <a:prstGeom prst="rect">
+            <a:avLst/>
+          </a:prstGeom>
+          <a:solidFill>
+            <a:srgbClr val="0070C0"/>
+          </a:solidFill>
+        </p:spPr>
+        <p:style>
+          <a:lnRef idx="2">
+            <a:schemeClr val="accent1">
+              <a:shade val="50000"/>
+            </a:schemeClr>
+          </a:lnRef>
+          <a:fillRef idx="1">
+            <a:schemeClr val="accent1"/>
+          </a:fillRef>
+          <a:effectRef idx="0">
+            <a:schemeClr val="accent1"/>
+          </a:effectRef>
+          <a:fontRef idx="minor">
+            <a:schemeClr val="lt1"/>
+          </a:fontRef>
+        </p:style>
+        <p:txBody>
+          <a:bodyPr rtlCol="0" anchor="ctr"/>
+          <a:lstStyle/>
+          <a:p>
+            <a:pPr algn="ctr"/>
+            <a:endParaRPr lang="en-IN" sz="1000" dirty="0">
+              <a:latin typeface="Verdana" panose="020B0604030504040204" pitchFamily="34" charset="0"/>
+              <a:ea typeface="Verdana" panose="020B0604030504040204" pitchFamily="34" charset="0"/>
+            </a:endParaRPr>
+          </a:p>
+        </p:txBody>
+      </p:sp>
+      <p:sp>
+        <p:nvSpPr>
+          <p:cNvPr id="8" name="Footer Placeholder 7">
+            <a:extLst>
+              <a:ext uri="{FF2B5EF4-FFF2-40B4-BE49-F238E27FC236}">
+                <a16:creationId xmlns:a16="http://schemas.microsoft.com/office/drawing/2014/main" id="{DD2A19CA-EC18-432D-8F8F-17079808F38B}"/>
+              </a:ext>
+            </a:extLst>
+          </p:cNvPr>
+          <p:cNvSpPr>
+            <a:spLocks noGrp="1"/>
+          </p:cNvSpPr>
+          <p:nvPr>
+            <p:ph type="ftr" sz="quarter" idx="11"/>
+          </p:nvPr>
+        </p:nvSpPr>
+        <p:spPr>
+          <a:xfrm>
+            <a:off x="4038600" y="6427374"/>
+            <a:ext cx="4114800" cy="365125"/>
+          </a:xfrm>
+        </p:spPr>
+        <p:txBody>
+          <a:bodyPr/>
+          <a:lstStyle/>
+          <a:p>
+            <a:r>
+              <a:rPr lang="en-IN" b="1" dirty="0">
+                <a:solidFill>
+                  <a:srgbClr val="002060"/>
+                </a:solidFill>
+                <a:latin typeface="Verdana" panose="020B0604030504040204" pitchFamily="34" charset="0"/>
+                <a:ea typeface="Verdana" panose="020B0604030504040204" pitchFamily="34" charset="0"/>
+              </a:rPr>
+              <a:t>30-May-2020</a:t>
+            </a:r>
+          </a:p>
+        </p:txBody>
+      </p:sp>
+      <p:sp>
+        <p:nvSpPr>
+          <p:cNvPr id="9" name="Slide Number Placeholder 8">
+            <a:extLst>
+              <a:ext uri="{FF2B5EF4-FFF2-40B4-BE49-F238E27FC236}">
+                <a16:creationId xmlns:a16="http://schemas.microsoft.com/office/drawing/2014/main" id="{8162625C-0B1F-42E0-BE7C-D99A08FED7A3}"/>
+              </a:ext>
+            </a:extLst>
+          </p:cNvPr>
+          <p:cNvSpPr>
+            <a:spLocks noGrp="1"/>
+          </p:cNvSpPr>
+          <p:nvPr>
+            <p:ph type="sldNum" sz="quarter" idx="12"/>
+          </p:nvPr>
+        </p:nvSpPr>
+        <p:spPr>
+          <a:xfrm>
+            <a:off x="8610600" y="6427374"/>
+            <a:ext cx="2743200" cy="365125"/>
+          </a:xfrm>
+        </p:spPr>
+        <p:txBody>
+          <a:bodyPr/>
+          <a:lstStyle/>
+          <a:p>
+            <a:fld id="{30AF63FB-5233-4811-A918-B572E3A55817}" type="slidenum">
+              <a:rPr lang="en-IN" b="1" smtClean="0">
+                <a:solidFill>
+                  <a:srgbClr val="002060"/>
+                </a:solidFill>
+                <a:latin typeface="Verdana" panose="020B0604030504040204" pitchFamily="34" charset="0"/>
+                <a:ea typeface="Verdana" panose="020B0604030504040204" pitchFamily="34" charset="0"/>
+              </a:rPr>
+              <a:t>17</a:t>
             </a:fld>
             <a:endParaRPr lang="en-IN" b="1" dirty="0">
               <a:solidFill>
@@ -9085,13 +12190,13 @@
           <a:p>
             <a:pPr algn="ctr"/>
             <a:r>
-              <a:rPr lang="en-US" dirty="0">
-                <a:latin typeface="Verdana" panose="020B0604030504040204" pitchFamily="34" charset="0"/>
-                <a:ea typeface="Verdana" panose="020B0604030504040204" pitchFamily="34" charset="0"/>
-              </a:rPr>
-              <a:t>What is next?</a:t>
-            </a:r>
-            <a:endParaRPr lang="en-IN" dirty="0">
+              <a:rPr lang="en-US" b="1" dirty="0">
+                <a:latin typeface="Verdana" panose="020B0604030504040204" pitchFamily="34" charset="0"/>
+                <a:ea typeface="Verdana" panose="020B0604030504040204" pitchFamily="34" charset="0"/>
+              </a:rPr>
+              <a:t>Creating Simple ASP.Net Core 3.1 Web API (EF Core)</a:t>
+            </a:r>
+            <a:endParaRPr lang="en-IN" b="1" dirty="0">
               <a:latin typeface="Verdana" panose="020B0604030504040204" pitchFamily="34" charset="0"/>
               <a:ea typeface="Verdana" panose="020B0604030504040204" pitchFamily="34" charset="0"/>
             </a:endParaRPr>
@@ -9373,10 +12478,10 @@
       </p:sp>
       <p:sp>
         <p:nvSpPr>
-          <p:cNvPr id="13" name="TextBox 12">
-            <a:extLst>
-              <a:ext uri="{FF2B5EF4-FFF2-40B4-BE49-F238E27FC236}">
-                <a16:creationId xmlns:a16="http://schemas.microsoft.com/office/drawing/2014/main" id="{C93F71B2-BF87-46E1-B2C0-A074AD4881C2}"/>
+          <p:cNvPr id="10" name="TextBox 9">
+            <a:extLst>
+              <a:ext uri="{FF2B5EF4-FFF2-40B4-BE49-F238E27FC236}">
+                <a16:creationId xmlns:a16="http://schemas.microsoft.com/office/drawing/2014/main" id="{25C2594F-FCF8-4800-A7AC-EF269935EFA6}"/>
               </a:ext>
             </a:extLst>
           </p:cNvPr>
@@ -9385,8 +12490,8 @@
         </p:nvSpPr>
         <p:spPr>
           <a:xfrm>
-            <a:off x="80629" y="1898354"/>
-            <a:ext cx="12037390" cy="4338945"/>
+            <a:off x="80629" y="557824"/>
+            <a:ext cx="12037390" cy="948337"/>
           </a:xfrm>
           <a:prstGeom prst="rect">
             <a:avLst/>
@@ -9399,24 +12504,7 @@
           </a:bodyPr>
           <a:lstStyle/>
           <a:p>
-            <a:pPr>
-              <a:lnSpc>
-                <a:spcPct val="200000"/>
-              </a:lnSpc>
-            </a:pPr>
-            <a:r>
-              <a:rPr lang="en-US" sz="2000" dirty="0">
-                <a:solidFill>
-                  <a:srgbClr val="002060"/>
-                </a:solidFill>
-                <a:latin typeface="Verdana" panose="020B0604030504040204" pitchFamily="34" charset="0"/>
-                <a:ea typeface="Verdana" panose="020B0604030504040204" pitchFamily="34" charset="0"/>
-              </a:rPr>
-              <a:t>What we will discuss in next session ….</a:t>
-            </a:r>
-          </a:p>
-          <a:p>
-            <a:pPr marL="628650" lvl="1" indent="-171450">
+            <a:pPr marL="285750" indent="-285750">
               <a:lnSpc>
                 <a:spcPct val="150000"/>
               </a:lnSpc>
@@ -9424,58 +12512,18 @@
               <a:buChar char="Ø"/>
             </a:pPr>
             <a:r>
-              <a:rPr lang="en-US" sz="2000" dirty="0">
+              <a:rPr lang="en-US" sz="1400" dirty="0">
                 <a:solidFill>
                   <a:srgbClr val="002060"/>
                 </a:solidFill>
                 <a:latin typeface="Verdana" panose="020B0604030504040204" pitchFamily="34" charset="0"/>
                 <a:ea typeface="Verdana" panose="020B0604030504040204" pitchFamily="34" charset="0"/>
               </a:rPr>
-              <a:t> Adding </a:t>
-            </a:r>
-            <a:r>
-              <a:rPr lang="en-US" sz="2000" dirty="0" err="1">
-                <a:solidFill>
-                  <a:srgbClr val="002060"/>
-                </a:solidFill>
-                <a:latin typeface="Verdana" panose="020B0604030504040204" pitchFamily="34" charset="0"/>
-                <a:ea typeface="Verdana" panose="020B0604030504040204" pitchFamily="34" charset="0"/>
-              </a:rPr>
-              <a:t>GetById</a:t>
-            </a:r>
-            <a:r>
-              <a:rPr lang="en-US" sz="2000" dirty="0">
-                <a:solidFill>
-                  <a:srgbClr val="002060"/>
-                </a:solidFill>
-                <a:latin typeface="Verdana" panose="020B0604030504040204" pitchFamily="34" charset="0"/>
-                <a:ea typeface="Verdana" panose="020B0604030504040204" pitchFamily="34" charset="0"/>
-              </a:rPr>
-              <a:t>(), and </a:t>
-            </a:r>
-            <a:r>
-              <a:rPr lang="en-US" sz="2000" dirty="0" err="1">
-                <a:solidFill>
-                  <a:srgbClr val="002060"/>
-                </a:solidFill>
-                <a:latin typeface="Verdana" panose="020B0604030504040204" pitchFamily="34" charset="0"/>
-                <a:ea typeface="Verdana" panose="020B0604030504040204" pitchFamily="34" charset="0"/>
-              </a:rPr>
-              <a:t>GetAll</a:t>
-            </a:r>
-            <a:r>
-              <a:rPr lang="en-US" sz="2000" dirty="0">
-                <a:solidFill>
-                  <a:srgbClr val="002060"/>
-                </a:solidFill>
-                <a:latin typeface="Verdana" panose="020B0604030504040204" pitchFamily="34" charset="0"/>
-                <a:ea typeface="Verdana" panose="020B0604030504040204" pitchFamily="34" charset="0"/>
-              </a:rPr>
-              <a:t>() into .Proto file.</a:t>
-            </a:r>
-          </a:p>
-          <a:p>
-            <a:pPr marL="628650" lvl="1" indent="-171450">
+              <a:t>We will create the Simple Web API using ASP.Net Core 3.1, EF Core 3.1.</a:t>
+            </a:r>
+          </a:p>
+          <a:p>
+            <a:pPr marL="285750" indent="-285750">
               <a:lnSpc>
                 <a:spcPct val="150000"/>
               </a:lnSpc>
@@ -9483,198 +12531,72 @@
               <a:buChar char="Ø"/>
             </a:pPr>
             <a:r>
-              <a:rPr lang="en-US" sz="2000" dirty="0">
+              <a:rPr lang="en-US" sz="1400" dirty="0">
                 <a:solidFill>
                   <a:srgbClr val="002060"/>
                 </a:solidFill>
                 <a:latin typeface="Verdana" panose="020B0604030504040204" pitchFamily="34" charset="0"/>
                 <a:ea typeface="Verdana" panose="020B0604030504040204" pitchFamily="34" charset="0"/>
               </a:rPr>
-              <a:t> Implementing the functionality to return Single and Multiple Records into gRPC Server.</a:t>
-            </a:r>
-          </a:p>
-          <a:p>
-            <a:pPr marL="628650" lvl="1" indent="-171450">
+              <a:t>We will verify the Web API using Postman.</a:t>
+            </a:r>
+            <a:endParaRPr lang="en-IN" sz="1400" dirty="0"/>
+          </a:p>
+          <a:p>
+            <a:pPr>
               <a:lnSpc>
                 <a:spcPct val="150000"/>
               </a:lnSpc>
-              <a:buFont typeface="Wingdings" panose="05000000000000000000" pitchFamily="2" charset="2"/>
-              <a:buChar char="Ø"/>
             </a:pPr>
-            <a:r>
-              <a:rPr lang="en-US" sz="2000" dirty="0">
-                <a:solidFill>
-                  <a:srgbClr val="002060"/>
-                </a:solidFill>
-                <a:latin typeface="Verdana" panose="020B0604030504040204" pitchFamily="34" charset="0"/>
-                <a:ea typeface="Verdana" panose="020B0604030504040204" pitchFamily="34" charset="0"/>
-              </a:rPr>
-              <a:t> Setting up and verifying Redis Cache in our Laptop.</a:t>
-            </a:r>
-          </a:p>
-          <a:p>
-            <a:pPr marL="1257300" lvl="2" indent="-342900">
-              <a:lnSpc>
-                <a:spcPct val="150000"/>
-              </a:lnSpc>
-              <a:buFont typeface="Wingdings" panose="05000000000000000000" pitchFamily="2" charset="2"/>
-              <a:buChar char="ü"/>
-            </a:pPr>
-            <a:r>
-              <a:rPr lang="en-US" sz="2000" dirty="0">
-                <a:solidFill>
-                  <a:srgbClr val="002060"/>
-                </a:solidFill>
-                <a:latin typeface="Verdana" panose="020B0604030504040204" pitchFamily="34" charset="0"/>
-                <a:ea typeface="Verdana" panose="020B0604030504040204" pitchFamily="34" charset="0"/>
-              </a:rPr>
-              <a:t>To Install on WSL on Windows 10</a:t>
-            </a:r>
-          </a:p>
-          <a:p>
-            <a:pPr marL="1257300" lvl="2" indent="-342900">
-              <a:lnSpc>
-                <a:spcPct val="150000"/>
-              </a:lnSpc>
-              <a:buFont typeface="Wingdings" panose="05000000000000000000" pitchFamily="2" charset="2"/>
-              <a:buChar char="ü"/>
-            </a:pPr>
-            <a:r>
-              <a:rPr lang="en-US" sz="2000" dirty="0">
-                <a:solidFill>
-                  <a:srgbClr val="002060"/>
-                </a:solidFill>
-                <a:latin typeface="Verdana" panose="020B0604030504040204" pitchFamily="34" charset="0"/>
-                <a:ea typeface="Verdana" panose="020B0604030504040204" pitchFamily="34" charset="0"/>
-              </a:rPr>
-              <a:t>To Start and Stop the Redis Service</a:t>
-            </a:r>
-          </a:p>
-          <a:p>
-            <a:pPr marL="1257300" lvl="2" indent="-342900">
-              <a:lnSpc>
-                <a:spcPct val="150000"/>
-              </a:lnSpc>
-              <a:buFont typeface="Wingdings" panose="05000000000000000000" pitchFamily="2" charset="2"/>
-              <a:buChar char="ü"/>
-            </a:pPr>
-            <a:r>
-              <a:rPr lang="en-US" sz="2000" dirty="0">
-                <a:solidFill>
-                  <a:srgbClr val="002060"/>
-                </a:solidFill>
-                <a:latin typeface="Verdana" panose="020B0604030504040204" pitchFamily="34" charset="0"/>
-                <a:ea typeface="Verdana" panose="020B0604030504040204" pitchFamily="34" charset="0"/>
-              </a:rPr>
-              <a:t>To connect to Redis Server</a:t>
-            </a:r>
-          </a:p>
-          <a:p>
-            <a:pPr marL="628650" lvl="1" indent="-171450">
-              <a:lnSpc>
-                <a:spcPct val="150000"/>
-              </a:lnSpc>
-              <a:buFont typeface="Wingdings" panose="05000000000000000000" pitchFamily="2" charset="2"/>
-              <a:buChar char="Ø"/>
-            </a:pPr>
-            <a:r>
-              <a:rPr lang="en-US" sz="2000" dirty="0">
-                <a:solidFill>
-                  <a:srgbClr val="002060"/>
-                </a:solidFill>
-                <a:latin typeface="Verdana" panose="020B0604030504040204" pitchFamily="34" charset="0"/>
-                <a:ea typeface="Verdana" panose="020B0604030504040204" pitchFamily="34" charset="0"/>
-              </a:rPr>
-              <a:t> Improving the Retrieval Time by using Redis Cache.</a:t>
-            </a:r>
-          </a:p>
-          <a:p>
-            <a:pPr marL="1257300" lvl="2" indent="-342900">
-              <a:lnSpc>
-                <a:spcPct val="150000"/>
-              </a:lnSpc>
-              <a:buFont typeface="Wingdings" panose="05000000000000000000" pitchFamily="2" charset="2"/>
-              <a:buChar char="ü"/>
-            </a:pPr>
-            <a:r>
-              <a:rPr lang="en-US" sz="2000" dirty="0">
-                <a:solidFill>
-                  <a:srgbClr val="002060"/>
-                </a:solidFill>
-                <a:latin typeface="Verdana" panose="020B0604030504040204" pitchFamily="34" charset="0"/>
-                <a:ea typeface="Verdana" panose="020B0604030504040204" pitchFamily="34" charset="0"/>
-              </a:rPr>
-              <a:t>Verify the Time of retrieval of data with and without Redis Cache.</a:t>
-            </a:r>
-          </a:p>
-        </p:txBody>
-      </p:sp>
-      <p:sp>
-        <p:nvSpPr>
-          <p:cNvPr id="5" name="Rectangle 4">
-            <a:extLst>
-              <a:ext uri="{FF2B5EF4-FFF2-40B4-BE49-F238E27FC236}">
-                <a16:creationId xmlns:a16="http://schemas.microsoft.com/office/drawing/2014/main" id="{11B56C48-04D4-42D7-A892-61E969B93239}"/>
-              </a:ext>
-            </a:extLst>
-          </p:cNvPr>
-          <p:cNvSpPr/>
+            <a:endParaRPr lang="en-IN" sz="1050" dirty="0">
+              <a:solidFill>
+                <a:srgbClr val="002060"/>
+              </a:solidFill>
+              <a:latin typeface="Verdana" panose="020B0604030504040204" pitchFamily="34" charset="0"/>
+              <a:ea typeface="Verdana" panose="020B0604030504040204" pitchFamily="34" charset="0"/>
+            </a:endParaRPr>
+          </a:p>
+        </p:txBody>
+      </p:sp>
+      <p:pic>
+        <p:nvPicPr>
+          <p:cNvPr id="2" name="Picture 1">
+            <a:extLst>
+              <a:ext uri="{FF2B5EF4-FFF2-40B4-BE49-F238E27FC236}">
+                <a16:creationId xmlns:a16="http://schemas.microsoft.com/office/drawing/2014/main" id="{AE712E9D-FBC1-449D-9D15-E3DBDC61EEAF}"/>
+              </a:ext>
+            </a:extLst>
+          </p:cNvPr>
+          <p:cNvPicPr>
+            <a:picLocks noChangeAspect="1"/>
+          </p:cNvPicPr>
           <p:nvPr/>
-        </p:nvSpPr>
-        <p:spPr>
-          <a:xfrm>
-            <a:off x="2794573" y="829156"/>
-            <a:ext cx="6609502" cy="923330"/>
+        </p:nvPicPr>
+        <p:blipFill>
+          <a:blip r:embed="rId2"/>
+          <a:stretch>
+            <a:fillRect/>
+          </a:stretch>
+        </p:blipFill>
+        <p:spPr>
+          <a:xfrm>
+            <a:off x="133165" y="1376038"/>
+            <a:ext cx="11916792" cy="4924137"/>
           </a:xfrm>
           <a:prstGeom prst="rect">
             <a:avLst/>
           </a:prstGeom>
-          <a:noFill/>
-        </p:spPr>
-        <p:txBody>
-          <a:bodyPr wrap="none" lIns="91440" tIns="45720" rIns="91440" bIns="45720">
-            <a:spAutoFit/>
-            <a:scene3d>
-              <a:camera prst="orthographicFront"/>
-              <a:lightRig rig="soft" dir="t">
-                <a:rot lat="0" lon="0" rev="15600000"/>
-              </a:lightRig>
-            </a:scene3d>
-            <a:sp3d extrusionH="57150" prstMaterial="softEdge">
-              <a:bevelT w="25400" h="38100"/>
-            </a:sp3d>
-          </a:bodyPr>
-          <a:lstStyle/>
-          <a:p>
-            <a:pPr algn="ctr"/>
-            <a:r>
-              <a:rPr lang="en-US" sz="5400" b="1" cap="none" spc="0" dirty="0">
-                <a:ln/>
-                <a:solidFill>
-                  <a:schemeClr val="accent4"/>
-                </a:solidFill>
-                <a:effectLst/>
-                <a:latin typeface="Verdana" panose="020B0604030504040204" pitchFamily="34" charset="0"/>
-                <a:ea typeface="Verdana" panose="020B0604030504040204" pitchFamily="34" charset="0"/>
-              </a:rPr>
-              <a:t>What is next ???</a:t>
-            </a:r>
-            <a:endParaRPr lang="en-IN" sz="5400" b="1" cap="none" spc="0" dirty="0">
-              <a:ln/>
-              <a:solidFill>
-                <a:schemeClr val="accent4"/>
-              </a:solidFill>
-              <a:effectLst/>
-              <a:latin typeface="Verdana" panose="020B0604030504040204" pitchFamily="34" charset="0"/>
-              <a:ea typeface="Verdana" panose="020B0604030504040204" pitchFamily="34" charset="0"/>
-            </a:endParaRPr>
-          </a:p>
-        </p:txBody>
-      </p:sp>
+          <a:ln>
+            <a:solidFill>
+              <a:schemeClr val="accent1"/>
+            </a:solidFill>
+          </a:ln>
+        </p:spPr>
+      </p:pic>
     </p:spTree>
     <p:extLst>
       <p:ext uri="{BB962C8B-B14F-4D97-AF65-F5344CB8AC3E}">
-        <p14:creationId xmlns:p14="http://schemas.microsoft.com/office/powerpoint/2010/main" val="3499439994"/>
+        <p14:creationId xmlns:p14="http://schemas.microsoft.com/office/powerpoint/2010/main" val="254779456"/>
       </p:ext>
     </p:extLst>
   </p:cSld>
